--- a/Tellér Ádám Védési ppt sablon minta.pptx
+++ b/Tellér Ádám Védési ppt sablon minta.pptx
@@ -14,10 +14,10 @@
     <p:sldId id="317" r:id="rId5"/>
     <p:sldId id="318" r:id="rId6"/>
     <p:sldId id="322" r:id="rId7"/>
-    <p:sldId id="309" r:id="rId8"/>
-    <p:sldId id="314" r:id="rId9"/>
-    <p:sldId id="315" r:id="rId10"/>
-    <p:sldId id="323" r:id="rId11"/>
+    <p:sldId id="324" r:id="rId8"/>
+    <p:sldId id="309" r:id="rId9"/>
+    <p:sldId id="314" r:id="rId10"/>
+    <p:sldId id="315" r:id="rId11"/>
     <p:sldId id="316" r:id="rId12"/>
     <p:sldId id="308" r:id="rId13"/>
     <p:sldId id="320" r:id="rId14"/>
@@ -253,7 +253,7 @@
           <a:p>
             <a:fld id="{431EC5D9-14EA-4073-BCF7-21AF91E5A6EC}" type="datetimeFigureOut">
               <a:rPr lang="hu-HU" smtClean="0"/>
-              <a:t>2022. 04. 13.</a:t>
+              <a:t>2022. 04. 19.</a:t>
             </a:fld>
             <a:endParaRPr lang="hu-HU"/>
           </a:p>
@@ -706,7 +706,7 @@
             <a:fld id="{43CDACE8-B908-4BCA-B0D2-2F2B4B9F69E4}" type="datetime1">
               <a:rPr lang="hu-HU" smtClean="0"/>
               <a:pPr/>
-              <a:t>2022. 04. 13.</a:t>
+              <a:t>2022. 04. 19.</a:t>
             </a:fld>
             <a:endParaRPr lang="hu-HU"/>
           </a:p>
@@ -876,7 +876,7 @@
             <a:fld id="{41E94617-5A3E-46AE-94D1-EC8B61E0CF3F}" type="datetime1">
               <a:rPr lang="hu-HU" smtClean="0"/>
               <a:pPr/>
-              <a:t>2022. 04. 13.</a:t>
+              <a:t>2022. 04. 19.</a:t>
             </a:fld>
             <a:endParaRPr lang="hu-HU"/>
           </a:p>
@@ -1056,7 +1056,7 @@
             <a:fld id="{837D4814-E5D6-478B-BFEB-3B058E46087F}" type="datetime1">
               <a:rPr lang="hu-HU" smtClean="0"/>
               <a:pPr/>
-              <a:t>2022. 04. 13.</a:t>
+              <a:t>2022. 04. 19.</a:t>
             </a:fld>
             <a:endParaRPr lang="hu-HU"/>
           </a:p>
@@ -1423,7 +1423,7 @@
             <a:fld id="{C5F33BC4-C46E-4DB3-ABA1-770966218DD7}" type="datetime1">
               <a:rPr lang="hu-HU" smtClean="0"/>
               <a:pPr/>
-              <a:t>2022. 04. 13.</a:t>
+              <a:t>2022. 04. 19.</a:t>
             </a:fld>
             <a:endParaRPr lang="hu-HU"/>
           </a:p>
@@ -1710,7 +1710,7 @@
             <a:fld id="{912A8047-A0FE-46B9-8291-14DCB3E381BD}" type="datetime1">
               <a:rPr lang="hu-HU" smtClean="0"/>
               <a:pPr/>
-              <a:t>2022. 04. 13.</a:t>
+              <a:t>2022. 04. 19.</a:t>
             </a:fld>
             <a:endParaRPr lang="hu-HU"/>
           </a:p>
@@ -2131,7 +2131,7 @@
             <a:fld id="{E0C46781-2A44-4AAD-BB4C-CD9C91A27BE9}" type="datetime1">
               <a:rPr lang="hu-HU" smtClean="0"/>
               <a:pPr/>
-              <a:t>2022. 04. 13.</a:t>
+              <a:t>2022. 04. 19.</a:t>
             </a:fld>
             <a:endParaRPr lang="hu-HU"/>
           </a:p>
@@ -2250,7 +2250,7 @@
             <a:fld id="{24B31C7E-F4B5-4B68-AA30-B84445760021}" type="datetime1">
               <a:rPr lang="hu-HU" smtClean="0"/>
               <a:pPr/>
-              <a:t>2022. 04. 13.</a:t>
+              <a:t>2022. 04. 19.</a:t>
             </a:fld>
             <a:endParaRPr lang="hu-HU"/>
           </a:p>
@@ -2347,7 +2347,7 @@
             <a:fld id="{ED1DA325-B8B2-4EA5-B4DC-065DE9D9C9E6}" type="datetime1">
               <a:rPr lang="hu-HU" smtClean="0"/>
               <a:pPr/>
-              <a:t>2022. 04. 13.</a:t>
+              <a:t>2022. 04. 19.</a:t>
             </a:fld>
             <a:endParaRPr lang="hu-HU"/>
           </a:p>
@@ -2624,7 +2624,7 @@
             <a:fld id="{EFE6C2C4-E2C5-4ADE-A4CB-ABBDF08E8EC8}" type="datetime1">
               <a:rPr lang="hu-HU" smtClean="0"/>
               <a:pPr/>
-              <a:t>2022. 04. 13.</a:t>
+              <a:t>2022. 04. 19.</a:t>
             </a:fld>
             <a:endParaRPr lang="hu-HU"/>
           </a:p>
@@ -2881,7 +2881,7 @@
             <a:fld id="{59765D8A-E461-4925-92FA-AB2AE71C2962}" type="datetime1">
               <a:rPr lang="hu-HU" smtClean="0"/>
               <a:pPr/>
-              <a:t>2022. 04. 13.</a:t>
+              <a:t>2022. 04. 19.</a:t>
             </a:fld>
             <a:endParaRPr lang="hu-HU"/>
           </a:p>
@@ -3101,7 +3101,7 @@
             <a:fld id="{953B8B21-AA05-40C7-B7DF-ACC7F8671153}" type="datetime1">
               <a:rPr lang="hu-HU" smtClean="0"/>
               <a:pPr/>
-              <a:t>2022. 04. 13.</a:t>
+              <a:t>2022. 04. 19.</a:t>
             </a:fld>
             <a:endParaRPr lang="hu-HU"/>
           </a:p>
@@ -3491,23 +3491,6 @@
           </a:bodyPr>
           <a:lstStyle/>
           <a:p>
-            <a:r>
-              <a:rPr lang="hu-HU" dirty="0">
-                <a:solidFill>
-                  <a:schemeClr val="tx2">
-                    <a:lumMod val="75000"/>
-                  </a:schemeClr>
-                </a:solidFill>
-                <a:effectLst>
-                  <a:outerShdw blurRad="38100" dist="38100" dir="2700000" algn="tl">
-                    <a:srgbClr val="000000">
-                      <a:alpha val="43137"/>
-                    </a:srgbClr>
-                  </a:outerShdw>
-                </a:effectLst>
-              </a:rPr>
-              <a:t/>
-            </a:r>
             <a:br>
               <a:rPr lang="hu-HU" dirty="0">
                 <a:solidFill>
@@ -3557,23 +3540,6 @@
                 </a:effectLst>
               </a:rPr>
             </a:br>
-            <a:r>
-              <a:rPr lang="hu-HU" dirty="0">
-                <a:solidFill>
-                  <a:schemeClr val="tx2">
-                    <a:lumMod val="75000"/>
-                  </a:schemeClr>
-                </a:solidFill>
-                <a:effectLst>
-                  <a:outerShdw blurRad="38100" dist="38100" dir="2700000" algn="tl">
-                    <a:srgbClr val="000000">
-                      <a:alpha val="43137"/>
-                    </a:srgbClr>
-                  </a:outerShdw>
-                </a:effectLst>
-              </a:rPr>
-              <a:t/>
-            </a:r>
             <a:br>
               <a:rPr lang="hu-HU" dirty="0">
                 <a:solidFill>
@@ -3625,15 +3591,7 @@
             </a:br>
             <a:r>
               <a:rPr lang="hu-HU" sz="2800" b="1" dirty="0"/>
-              <a:t>Szoftverfejlesztő és </a:t>
-            </a:r>
-            <a:r>
-              <a:rPr lang="hu-HU" sz="2800" b="1" dirty="0" smtClean="0"/>
-              <a:t>tesztelő technikus</a:t>
-            </a:r>
-            <a:r>
-              <a:rPr lang="hu-HU" sz="2800" dirty="0"/>
-              <a:t/>
+              <a:t>Szoftverfejlesztő és tesztelő technikus</a:t>
             </a:r>
             <a:br>
               <a:rPr lang="hu-HU" sz="2800" dirty="0"/>
@@ -3641,16 +3599,6 @@
             <a:r>
               <a:rPr lang="hu-HU" sz="3200" b="1" dirty="0"/>
               <a:t>2022</a:t>
-            </a:r>
-            <a:r>
-              <a:rPr lang="hu-HU" b="1" dirty="0">
-                <a:solidFill>
-                  <a:schemeClr val="tx2">
-                    <a:lumMod val="75000"/>
-                  </a:schemeClr>
-                </a:solidFill>
-              </a:rPr>
-              <a:t/>
             </a:r>
             <a:br>
               <a:rPr lang="hu-HU" b="1" dirty="0">
@@ -3873,82 +3821,136 @@
             <a:spLocks noGrp="1"/>
           </p:cNvSpPr>
           <p:nvPr>
-            <p:ph type="ctrTitle"/>
-          </p:nvPr>
-        </p:nvSpPr>
-        <p:spPr/>
+            <p:ph type="title"/>
+          </p:nvPr>
+        </p:nvSpPr>
+        <p:spPr>
+          <a:xfrm>
+            <a:off x="457200" y="274638"/>
+            <a:ext cx="8229600" cy="685482"/>
+          </a:xfrm>
+        </p:spPr>
+        <p:txBody>
+          <a:bodyPr>
+            <a:normAutofit fontScale="90000"/>
+          </a:bodyPr>
+          <a:lstStyle/>
+          <a:p>
+            <a:r>
+              <a:rPr lang="hu-HU" dirty="0"/>
+              <a:t>Téma kidolgozása</a:t>
+            </a:r>
+            <a:endParaRPr lang="en-US" b="1" dirty="0"/>
+          </a:p>
+        </p:txBody>
+      </p:sp>
+      <p:sp>
+        <p:nvSpPr>
+          <p:cNvPr id="3" name="Tartalom helye 2"/>
+          <p:cNvSpPr>
+            <a:spLocks noGrp="1"/>
+          </p:cNvSpPr>
+          <p:nvPr>
+            <p:ph idx="1"/>
+          </p:nvPr>
+        </p:nvSpPr>
+        <p:spPr>
+          <a:xfrm>
+            <a:off x="457200" y="960120"/>
+            <a:ext cx="8229600" cy="4525963"/>
+          </a:xfrm>
+        </p:spPr>
         <p:txBody>
           <a:bodyPr/>
           <a:lstStyle/>
           <a:p>
             <a:r>
-              <a:rPr lang="hu-HU" dirty="0" smtClean="0"/>
-              <a:t>Tesztelés</a:t>
-            </a:r>
+              <a:rPr lang="hu-HU" dirty="0"/>
+              <a:t>A társam feladatai:</a:t>
+            </a:r>
+          </a:p>
+          <a:p>
+            <a:pPr marL="914400" lvl="1" indent="-514350">
+              <a:buFont typeface="+mj-lt"/>
+              <a:buAutoNum type="arabicPeriod"/>
+            </a:pPr>
+            <a:r>
+              <a:rPr lang="hu-HU" dirty="0"/>
+              <a:t>Főoldal  elkészítése</a:t>
+            </a:r>
+          </a:p>
+          <a:p>
+            <a:pPr marL="914400" lvl="1" indent="-514350">
+              <a:buFont typeface="+mj-lt"/>
+              <a:buAutoNum type="arabicPeriod"/>
+            </a:pPr>
+            <a:r>
+              <a:rPr lang="hu-HU" dirty="0"/>
+              <a:t>Backend :</a:t>
+            </a:r>
+          </a:p>
+          <a:p>
+            <a:pPr lvl="2"/>
+            <a:r>
+              <a:rPr lang="hu-HU" dirty="0" err="1"/>
+              <a:t>Admin</a:t>
+            </a:r>
+            <a:r>
+              <a:rPr lang="hu-HU" dirty="0"/>
+              <a:t> tudjon újterméket hozzá adni</a:t>
+            </a:r>
+          </a:p>
+          <a:p>
+            <a:endParaRPr lang="en-US" dirty="0"/>
+          </a:p>
+          <a:p>
+            <a:pPr marL="0" indent="0">
+              <a:buNone/>
+            </a:pPr>
             <a:endParaRPr lang="hu-HU" dirty="0"/>
           </a:p>
         </p:txBody>
       </p:sp>
-      <p:sp>
-        <p:nvSpPr>
-          <p:cNvPr id="3" name="Alcím 2"/>
-          <p:cNvSpPr>
-            <a:spLocks noGrp="1"/>
-          </p:cNvSpPr>
-          <p:nvPr>
-            <p:ph type="subTitle" idx="1"/>
-          </p:nvPr>
-        </p:nvSpPr>
-        <p:spPr/>
-        <p:txBody>
-          <a:bodyPr/>
-          <a:lstStyle/>
-          <a:p>
-            <a:endParaRPr lang="hu-HU"/>
-          </a:p>
-        </p:txBody>
-      </p:sp>
-      <p:sp>
-        <p:nvSpPr>
-          <p:cNvPr id="4" name="Dia számának helye 3"/>
-          <p:cNvSpPr>
-            <a:spLocks noGrp="1"/>
-          </p:cNvSpPr>
-          <p:nvPr>
-            <p:ph type="sldNum" sz="quarter" idx="12"/>
-          </p:nvPr>
-        </p:nvSpPr>
-        <p:spPr/>
-        <p:txBody>
-          <a:bodyPr/>
-          <a:lstStyle/>
-          <a:p>
-            <a:fld id="{73395626-3263-4034-AABE-E6A8B7903D48}" type="slidenum">
-              <a:rPr lang="hu-HU" smtClean="0"/>
-              <a:pPr/>
-              <a:t>10</a:t>
-            </a:fld>
-            <a:endParaRPr lang="hu-HU"/>
-          </a:p>
-        </p:txBody>
-      </p:sp>
+      <p:pic>
+        <p:nvPicPr>
+          <p:cNvPr id="6" name="Kép 5"/>
+          <p:cNvPicPr>
+            <a:picLocks noChangeAspect="1"/>
+          </p:cNvPicPr>
+          <p:nvPr/>
+        </p:nvPicPr>
+        <p:blipFill>
+          <a:blip r:embed="rId2">
+            <a:extLst>
+              <a:ext uri="{28A0092B-C50C-407E-A947-70E740481C1C}">
+                <a14:useLocalDpi xmlns:a14="http://schemas.microsoft.com/office/drawing/2010/main" val="0"/>
+              </a:ext>
+            </a:extLst>
+          </a:blip>
+          <a:stretch>
+            <a:fillRect/>
+          </a:stretch>
+        </p:blipFill>
+        <p:spPr>
+          <a:xfrm>
+            <a:off x="6768360" y="788829"/>
+            <a:ext cx="1918440" cy="4601828"/>
+          </a:xfrm>
+          <a:prstGeom prst="rect">
+            <a:avLst/>
+          </a:prstGeom>
+        </p:spPr>
+      </p:pic>
     </p:spTree>
     <p:extLst>
       <p:ext uri="{BB962C8B-B14F-4D97-AF65-F5344CB8AC3E}">
-        <p14:creationId xmlns:p14="http://schemas.microsoft.com/office/powerpoint/2010/main" val="2363007470"/>
+        <p14:creationId xmlns:p14="http://schemas.microsoft.com/office/powerpoint/2010/main" val="3612688654"/>
       </p:ext>
     </p:extLst>
   </p:cSld>
   <p:clrMapOvr>
     <a:masterClrMapping/>
   </p:clrMapOvr>
-  <p:timing>
-    <p:tnLst>
-      <p:par>
-        <p:cTn id="1" dur="indefinite" restart="never" nodeType="tmRoot"/>
-      </p:par>
-    </p:tnLst>
-  </p:timing>
 </p:sld>
 </file>
 
@@ -3985,10 +3987,10 @@
           <a:lstStyle/>
           <a:p>
             <a:r>
-              <a:rPr lang="hu-HU"/>
-              <a:t>Összefoglalás</a:t>
-            </a:r>
-            <a:endParaRPr lang="en-US"/>
+              <a:rPr lang="hu-HU" dirty="0"/>
+              <a:t>Továbbfejlesztések</a:t>
+            </a:r>
+            <a:endParaRPr lang="en-US" dirty="0"/>
           </a:p>
         </p:txBody>
       </p:sp>
@@ -4008,7 +4010,7 @@
           <a:lstStyle/>
           <a:p>
             <a:r>
-              <a:rPr lang="hu-HU" dirty="0" smtClean="0"/>
+              <a:rPr lang="hu-HU" dirty="0"/>
               <a:t>Rendszer továbbfejlesztése:</a:t>
             </a:r>
           </a:p>
@@ -4018,7 +4020,7 @@
               <a:buChar char="Ø"/>
             </a:pPr>
             <a:r>
-              <a:rPr lang="hu-HU" dirty="0" smtClean="0"/>
+              <a:rPr lang="hu-HU" dirty="0"/>
               <a:t>Kedvezmények</a:t>
             </a:r>
           </a:p>
@@ -4028,7 +4030,7 @@
               <a:buChar char="Ø"/>
             </a:pPr>
             <a:r>
-              <a:rPr lang="hu-HU" dirty="0" smtClean="0"/>
+              <a:rPr lang="hu-HU" dirty="0"/>
               <a:t>Kosárgomb </a:t>
             </a:r>
           </a:p>
@@ -4038,7 +4040,7 @@
               <a:buChar char="Ø"/>
             </a:pPr>
             <a:r>
-              <a:rPr lang="hu-HU" dirty="0" smtClean="0"/>
+              <a:rPr lang="hu-HU" dirty="0"/>
               <a:t>Feliratkozás hírlevelünkre</a:t>
             </a:r>
           </a:p>
@@ -4048,7 +4050,7 @@
               <a:buChar char="Ø"/>
             </a:pPr>
             <a:r>
-              <a:rPr lang="hu-HU" dirty="0" smtClean="0"/>
+              <a:rPr lang="hu-HU" dirty="0"/>
               <a:t>Rendezni Értékelés szerint</a:t>
             </a:r>
           </a:p>
@@ -4057,14 +4059,14 @@
               <a:buFont typeface="Wingdings" panose="05000000000000000000" pitchFamily="2" charset="2"/>
               <a:buChar char="Ø"/>
             </a:pPr>
-            <a:endParaRPr lang="hu-HU" dirty="0" smtClean="0"/>
+            <a:endParaRPr lang="hu-HU" dirty="0"/>
           </a:p>
           <a:p>
             <a:pPr>
               <a:buFont typeface="Wingdings" panose="05000000000000000000" pitchFamily="2" charset="2"/>
               <a:buChar char="Ø"/>
             </a:pPr>
-            <a:endParaRPr lang="hu-HU" dirty="0" smtClean="0"/>
+            <a:endParaRPr lang="hu-HU" dirty="0"/>
           </a:p>
           <a:p>
             <a:endParaRPr lang="hu-HU" dirty="0"/>
@@ -4084,13 +4086,6 @@
   <p:clrMapOvr>
     <a:masterClrMapping/>
   </p:clrMapOvr>
-  <p:timing>
-    <p:tnLst>
-      <p:par>
-        <p:cTn id="1" dur="indefinite" restart="never" nodeType="tmRoot"/>
-      </p:par>
-    </p:tnLst>
-  </p:timing>
 </p:sld>
 </file>
 
@@ -4975,7 +4970,7 @@
           <a:lstStyle/>
           <a:p>
             <a:r>
-              <a:rPr lang="hu-HU" dirty="0" err="1" smtClean="0"/>
+              <a:rPr lang="hu-HU" dirty="0" err="1"/>
               <a:t>Kérédsek</a:t>
             </a:r>
             <a:endParaRPr lang="en-US" dirty="0"/>
@@ -5200,10 +5195,6 @@
             <a:br>
               <a:rPr lang="hu-HU" dirty="0"/>
             </a:br>
-            <a:r>
-              <a:rPr lang="hu-HU" dirty="0"/>
-              <a:t/>
-            </a:r>
             <a:br>
               <a:rPr lang="hu-HU" dirty="0"/>
             </a:br>
@@ -5228,13 +5219,6 @@
   <p:clrMapOvr>
     <a:masterClrMapping/>
   </p:clrMapOvr>
-  <p:timing>
-    <p:tnLst>
-      <p:par>
-        <p:cTn id="1" dur="indefinite" restart="never" nodeType="tmRoot"/>
-      </p:par>
-    </p:tnLst>
-  </p:timing>
 </p:sld>
 </file>
 
@@ -5271,10 +5255,10 @@
           <a:lstStyle/>
           <a:p>
             <a:r>
-              <a:rPr lang="hu-HU"/>
+              <a:rPr lang="hu-HU" dirty="0"/>
               <a:t>Összefoglalás</a:t>
             </a:r>
-            <a:endParaRPr lang="en-US"/>
+            <a:endParaRPr lang="en-US" dirty="0"/>
           </a:p>
         </p:txBody>
       </p:sp>
@@ -5295,11 +5279,7 @@
           <a:p>
             <a:r>
               <a:rPr lang="hu-HU" dirty="0"/>
-              <a:t>Mik történtek</a:t>
-            </a:r>
-            <a:r>
-              <a:rPr lang="hu-HU" dirty="0" smtClean="0"/>
-              <a:t>:</a:t>
+              <a:t>Mik történtek:</a:t>
             </a:r>
           </a:p>
           <a:p>
@@ -5323,16 +5303,10 @@
               <a:rPr lang="hu-HU" dirty="0">
                 <a:hlinkClick r:id="rId2"/>
               </a:rPr>
-              <a:t>https://</a:t>
-            </a:r>
-            <a:r>
-              <a:rPr lang="hu-HU" dirty="0" smtClean="0">
-                <a:hlinkClick r:id="rId2"/>
-              </a:rPr>
-              <a:t>app.uizard.io/auth/login</a:t>
-            </a:r>
-            <a:r>
-              <a:rPr lang="hu-HU" dirty="0" smtClean="0"/>
+              <a:t>https://app.uizard.io/auth/login</a:t>
+            </a:r>
+            <a:r>
+              <a:rPr lang="hu-HU" dirty="0"/>
               <a:t> </a:t>
             </a:r>
           </a:p>
@@ -5342,14 +5316,14 @@
               <a:buAutoNum type="arabicPeriod"/>
             </a:pPr>
             <a:r>
-              <a:rPr lang="hu-HU" dirty="0" smtClean="0"/>
+              <a:rPr lang="hu-HU" dirty="0"/>
               <a:t>Ahol dolgoztunk az </a:t>
             </a:r>
             <a:r>
-              <a:rPr lang="hu-HU" dirty="0" err="1" smtClean="0"/>
+              <a:rPr lang="hu-HU" dirty="0" err="1"/>
               <a:t>Githubon</a:t>
             </a:r>
-            <a:endParaRPr lang="hu-HU" dirty="0" smtClean="0"/>
+            <a:endParaRPr lang="hu-HU" dirty="0"/>
           </a:p>
           <a:p>
             <a:pPr marL="514350" indent="-514350">
@@ -5357,11 +5331,11 @@
               <a:buAutoNum type="arabicPeriod"/>
             </a:pPr>
             <a:r>
-              <a:rPr lang="hu-HU" dirty="0" err="1" smtClean="0"/>
+              <a:rPr lang="hu-HU" dirty="0" err="1"/>
               <a:t>Discordon</a:t>
             </a:r>
             <a:r>
-              <a:rPr lang="hu-HU" dirty="0" smtClean="0"/>
+              <a:rPr lang="hu-HU" dirty="0"/>
               <a:t> </a:t>
             </a:r>
           </a:p>
@@ -5370,7 +5344,7 @@
               <a:buFont typeface="+mj-lt"/>
               <a:buAutoNum type="arabicPeriod"/>
             </a:pPr>
-            <a:endParaRPr lang="hu-HU" dirty="0" smtClean="0"/>
+            <a:endParaRPr lang="hu-HU" dirty="0"/>
           </a:p>
           <a:p>
             <a:pPr marL="514350" indent="-514350">
@@ -5401,13 +5375,6 @@
   <p:clrMapOvr>
     <a:masterClrMapping/>
   </p:clrMapOvr>
-  <p:timing>
-    <p:tnLst>
-      <p:par>
-        <p:cTn id="1" dur="indefinite" restart="never" nodeType="tmRoot"/>
-      </p:par>
-    </p:tnLst>
-  </p:timing>
 </p:sld>
 </file>
 
@@ -5444,10 +5411,10 @@
           <a:lstStyle/>
           <a:p>
             <a:r>
-              <a:rPr lang="hu-HU"/>
-              <a:t>Összefoglalás</a:t>
-            </a:r>
-            <a:endParaRPr lang="en-US"/>
+              <a:rPr lang="hu-HU" dirty="0"/>
+              <a:t>Tervezés</a:t>
+            </a:r>
+            <a:endParaRPr lang="en-US" dirty="0"/>
           </a:p>
         </p:txBody>
       </p:sp>
@@ -5467,18 +5434,18 @@
           <a:lstStyle/>
           <a:p>
             <a:r>
-              <a:rPr lang="hu-HU" dirty="0" smtClean="0"/>
+              <a:rPr lang="hu-HU" dirty="0"/>
               <a:t>Elsőnek megtervezet oldalak:</a:t>
             </a:r>
           </a:p>
           <a:p>
-            <a:endParaRPr lang="hu-HU" dirty="0" smtClean="0"/>
+            <a:endParaRPr lang="hu-HU" dirty="0"/>
           </a:p>
           <a:p>
             <a:pPr marL="0" indent="0">
               <a:buNone/>
             </a:pPr>
-            <a:endParaRPr lang="hu-HU" dirty="0" smtClean="0"/>
+            <a:endParaRPr lang="hu-HU" dirty="0"/>
           </a:p>
           <a:p>
             <a:endParaRPr lang="hu-HU" dirty="0"/>
@@ -5528,13 +5495,6 @@
   <p:clrMapOvr>
     <a:masterClrMapping/>
   </p:clrMapOvr>
-  <p:timing>
-    <p:tnLst>
-      <p:par>
-        <p:cTn id="1" dur="indefinite" restart="never" nodeType="tmRoot"/>
-      </p:par>
-    </p:tnLst>
-  </p:timing>
 </p:sld>
 </file>
 
@@ -5571,10 +5531,10 @@
           <a:lstStyle/>
           <a:p>
             <a:r>
-              <a:rPr lang="hu-HU"/>
-              <a:t>Összefoglalás</a:t>
-            </a:r>
-            <a:endParaRPr lang="en-US"/>
+              <a:rPr lang="hu-HU" dirty="0"/>
+              <a:t>Tervezés</a:t>
+            </a:r>
+            <a:endParaRPr lang="en-US" dirty="0"/>
           </a:p>
         </p:txBody>
       </p:sp>
@@ -5594,18 +5554,18 @@
           <a:lstStyle/>
           <a:p>
             <a:r>
-              <a:rPr lang="hu-HU" dirty="0" smtClean="0"/>
+              <a:rPr lang="hu-HU" dirty="0"/>
               <a:t>Elsőnek megtervezet oldalak:</a:t>
             </a:r>
           </a:p>
           <a:p>
-            <a:endParaRPr lang="hu-HU" dirty="0" smtClean="0"/>
+            <a:endParaRPr lang="hu-HU" dirty="0"/>
           </a:p>
           <a:p>
             <a:pPr marL="0" indent="0">
               <a:buNone/>
             </a:pPr>
-            <a:endParaRPr lang="hu-HU" dirty="0" smtClean="0"/>
+            <a:endParaRPr lang="hu-HU" dirty="0"/>
           </a:p>
           <a:p>
             <a:endParaRPr lang="hu-HU" dirty="0"/>
@@ -5655,13 +5615,6 @@
   <p:clrMapOvr>
     <a:masterClrMapping/>
   </p:clrMapOvr>
-  <p:timing>
-    <p:tnLst>
-      <p:par>
-        <p:cTn id="1" dur="indefinite" restart="never" nodeType="tmRoot"/>
-      </p:par>
-    </p:tnLst>
-  </p:timing>
 </p:sld>
 </file>
 
@@ -5698,10 +5651,10 @@
           <a:lstStyle/>
           <a:p>
             <a:r>
-              <a:rPr lang="hu-HU"/>
-              <a:t>Összefoglalás</a:t>
-            </a:r>
-            <a:endParaRPr lang="en-US"/>
+              <a:rPr lang="hu-HU" dirty="0"/>
+              <a:t>Tervezés</a:t>
+            </a:r>
+            <a:endParaRPr lang="en-US" dirty="0"/>
           </a:p>
         </p:txBody>
       </p:sp>
@@ -5721,18 +5674,18 @@
           <a:lstStyle/>
           <a:p>
             <a:r>
-              <a:rPr lang="hu-HU" dirty="0" smtClean="0"/>
+              <a:rPr lang="hu-HU" dirty="0"/>
               <a:t>Elsőnek megtervezet oldalak:</a:t>
             </a:r>
           </a:p>
           <a:p>
-            <a:endParaRPr lang="hu-HU" dirty="0" smtClean="0"/>
+            <a:endParaRPr lang="hu-HU" dirty="0"/>
           </a:p>
           <a:p>
             <a:pPr marL="0" indent="0">
               <a:buNone/>
             </a:pPr>
-            <a:endParaRPr lang="hu-HU" dirty="0" smtClean="0"/>
+            <a:endParaRPr lang="hu-HU" dirty="0"/>
           </a:p>
           <a:p>
             <a:endParaRPr lang="hu-HU" dirty="0"/>
@@ -5782,13 +5735,6 @@
   <p:clrMapOvr>
     <a:masterClrMapping/>
   </p:clrMapOvr>
-  <p:timing>
-    <p:tnLst>
-      <p:par>
-        <p:cTn id="1" dur="indefinite" restart="never" nodeType="tmRoot"/>
-      </p:par>
-    </p:tnLst>
-  </p:timing>
 </p:sld>
 </file>
 
@@ -5819,35 +5765,44 @@
             <p:ph type="ctrTitle"/>
           </p:nvPr>
         </p:nvSpPr>
-        <p:spPr/>
+        <p:spPr>
+          <a:xfrm>
+            <a:off x="561975" y="274638"/>
+            <a:ext cx="7772400" cy="801688"/>
+          </a:xfrm>
+        </p:spPr>
         <p:txBody>
           <a:bodyPr/>
           <a:lstStyle/>
           <a:p>
             <a:r>
-              <a:rPr lang="hu-HU" dirty="0" smtClean="0"/>
+              <a:rPr lang="hu-HU" dirty="0"/>
               <a:t>Adatbázis</a:t>
             </a:r>
+          </a:p>
+        </p:txBody>
+      </p:sp>
+      <p:sp>
+        <p:nvSpPr>
+          <p:cNvPr id="3" name="Alcím 2"/>
+          <p:cNvSpPr>
+            <a:spLocks noGrp="1"/>
+          </p:cNvSpPr>
+          <p:nvPr>
+            <p:ph type="subTitle" idx="1"/>
+          </p:nvPr>
+        </p:nvSpPr>
+        <p:spPr>
+          <a:xfrm>
+            <a:off x="381000" y="5765252"/>
+            <a:ext cx="6400800" cy="726553"/>
+          </a:xfrm>
+        </p:spPr>
+        <p:txBody>
+          <a:bodyPr/>
+          <a:lstStyle/>
+          <a:p>
             <a:endParaRPr lang="hu-HU" dirty="0"/>
-          </a:p>
-        </p:txBody>
-      </p:sp>
-      <p:sp>
-        <p:nvSpPr>
-          <p:cNvPr id="3" name="Alcím 2"/>
-          <p:cNvSpPr>
-            <a:spLocks noGrp="1"/>
-          </p:cNvSpPr>
-          <p:nvPr>
-            <p:ph type="subTitle" idx="1"/>
-          </p:nvPr>
-        </p:nvSpPr>
-        <p:spPr/>
-        <p:txBody>
-          <a:bodyPr/>
-          <a:lstStyle/>
-          <a:p>
-            <a:endParaRPr lang="hu-HU"/>
           </a:p>
         </p:txBody>
       </p:sp>
@@ -5875,6 +5830,42 @@
           </a:p>
         </p:txBody>
       </p:sp>
+      <p:pic>
+        <p:nvPicPr>
+          <p:cNvPr id="6" name="Kép 5">
+            <a:extLst>
+              <a:ext uri="{FF2B5EF4-FFF2-40B4-BE49-F238E27FC236}">
+                <a16:creationId xmlns:a16="http://schemas.microsoft.com/office/drawing/2014/main" id="{D3FF2E03-B685-42FC-8A08-3F6DEA312E9F}"/>
+              </a:ext>
+            </a:extLst>
+          </p:cNvPr>
+          <p:cNvPicPr>
+            <a:picLocks noChangeAspect="1"/>
+          </p:cNvPicPr>
+          <p:nvPr/>
+        </p:nvPicPr>
+        <p:blipFill>
+          <a:blip r:embed="rId2">
+            <a:extLst>
+              <a:ext uri="{28A0092B-C50C-407E-A947-70E740481C1C}">
+                <a14:useLocalDpi xmlns:a14="http://schemas.microsoft.com/office/drawing/2010/main" val="0"/>
+              </a:ext>
+            </a:extLst>
+          </a:blip>
+          <a:stretch>
+            <a:fillRect/>
+          </a:stretch>
+        </p:blipFill>
+        <p:spPr>
+          <a:xfrm>
+            <a:off x="299474" y="1057794"/>
+            <a:ext cx="8558776" cy="4553471"/>
+          </a:xfrm>
+          <a:prstGeom prst="rect">
+            <a:avLst/>
+          </a:prstGeom>
+        </p:spPr>
+      </p:pic>
     </p:spTree>
     <p:extLst>
       <p:ext uri="{BB962C8B-B14F-4D97-AF65-F5344CB8AC3E}">
@@ -5885,13 +5876,6 @@
   <p:clrMapOvr>
     <a:masterClrMapping/>
   </p:clrMapOvr>
-  <p:timing>
-    <p:tnLst>
-      <p:par>
-        <p:cTn id="1" dur="indefinite" restart="never" nodeType="tmRoot"/>
-      </p:par>
-    </p:tnLst>
-  </p:timing>
 </p:sld>
 </file>
 
@@ -5919,89 +5903,122 @@
             <a:spLocks noGrp="1"/>
           </p:cNvSpPr>
           <p:nvPr>
-            <p:ph type="title"/>
-          </p:nvPr>
-        </p:nvSpPr>
-        <p:spPr/>
-        <p:txBody>
-          <a:bodyPr/>
-          <a:lstStyle/>
-          <a:p>
-            <a:r>
-              <a:rPr lang="hu-HU" dirty="0"/>
-              <a:t>Bevezetés, téma indoklása</a:t>
-            </a:r>
-            <a:endParaRPr lang="en-US" dirty="0"/>
-          </a:p>
-        </p:txBody>
-      </p:sp>
-      <p:sp>
-        <p:nvSpPr>
-          <p:cNvPr id="3" name="Tartalom helye 2"/>
-          <p:cNvSpPr>
-            <a:spLocks noGrp="1"/>
-          </p:cNvSpPr>
-          <p:nvPr>
-            <p:ph idx="1"/>
+            <p:ph type="ctrTitle"/>
           </p:nvPr>
         </p:nvSpPr>
         <p:spPr>
           <a:xfrm>
-            <a:off x="457200" y="1318846"/>
-            <a:ext cx="8229600" cy="4533314"/>
+            <a:off x="561975" y="274638"/>
+            <a:ext cx="7772400" cy="448927"/>
           </a:xfrm>
         </p:spPr>
         <p:txBody>
+          <a:bodyPr>
+            <a:normAutofit fontScale="90000"/>
+          </a:bodyPr>
+          <a:lstStyle/>
+          <a:p>
+            <a:r>
+              <a:rPr lang="hu-HU" dirty="0"/>
+              <a:t>Adatbázis</a:t>
+            </a:r>
+          </a:p>
+        </p:txBody>
+      </p:sp>
+      <p:sp>
+        <p:nvSpPr>
+          <p:cNvPr id="3" name="Alcím 2"/>
+          <p:cNvSpPr>
+            <a:spLocks noGrp="1"/>
+          </p:cNvSpPr>
+          <p:nvPr>
+            <p:ph type="subTitle" idx="1"/>
+          </p:nvPr>
+        </p:nvSpPr>
+        <p:spPr>
+          <a:xfrm>
+            <a:off x="381000" y="5765252"/>
+            <a:ext cx="6400800" cy="726553"/>
+          </a:xfrm>
+        </p:spPr>
+        <p:txBody>
           <a:bodyPr/>
           <a:lstStyle/>
           <a:p>
-            <a:pPr marL="0" indent="0">
-              <a:buNone/>
-            </a:pPr>
-            <a:r>
-              <a:rPr lang="hu-HU" dirty="0" smtClean="0"/>
-              <a:t>Egy IT Webáruház </a:t>
-            </a:r>
-            <a:r>
-              <a:rPr lang="hu-HU" dirty="0"/>
-              <a:t>készítése </a:t>
-            </a:r>
-            <a:r>
-              <a:rPr lang="hu-HU" dirty="0" smtClean="0"/>
-              <a:t>ami </a:t>
-            </a:r>
-            <a:r>
-              <a:rPr lang="hu-HU" dirty="0"/>
-              <a:t>Számítógép alkatrészeket </a:t>
-            </a:r>
-            <a:r>
-              <a:rPr lang="hu-HU" dirty="0" smtClean="0"/>
-              <a:t>add el.</a:t>
-            </a:r>
             <a:endParaRPr lang="hu-HU" dirty="0"/>
           </a:p>
-          <a:p>
-            <a:endParaRPr lang="en-US" dirty="0"/>
-          </a:p>
-        </p:txBody>
-      </p:sp>
+        </p:txBody>
+      </p:sp>
+      <p:sp>
+        <p:nvSpPr>
+          <p:cNvPr id="4" name="Dia számának helye 3"/>
+          <p:cNvSpPr>
+            <a:spLocks noGrp="1"/>
+          </p:cNvSpPr>
+          <p:nvPr>
+            <p:ph type="sldNum" sz="quarter" idx="12"/>
+          </p:nvPr>
+        </p:nvSpPr>
+        <p:spPr/>
+        <p:txBody>
+          <a:bodyPr/>
+          <a:lstStyle/>
+          <a:p>
+            <a:fld id="{73395626-3263-4034-AABE-E6A8B7903D48}" type="slidenum">
+              <a:rPr lang="hu-HU" smtClean="0"/>
+              <a:pPr/>
+              <a:t>7</a:t>
+            </a:fld>
+            <a:endParaRPr lang="hu-HU"/>
+          </a:p>
+        </p:txBody>
+      </p:sp>
+      <p:pic>
+        <p:nvPicPr>
+          <p:cNvPr id="7" name="Kép 6">
+            <a:extLst>
+              <a:ext uri="{FF2B5EF4-FFF2-40B4-BE49-F238E27FC236}">
+                <a16:creationId xmlns:a16="http://schemas.microsoft.com/office/drawing/2014/main" id="{60136E0E-B79C-41D8-ABE5-A46E4BE586E5}"/>
+              </a:ext>
+            </a:extLst>
+          </p:cNvPr>
+          <p:cNvPicPr>
+            <a:picLocks noChangeAspect="1"/>
+          </p:cNvPicPr>
+          <p:nvPr/>
+        </p:nvPicPr>
+        <p:blipFill>
+          <a:blip r:embed="rId2">
+            <a:extLst>
+              <a:ext uri="{28A0092B-C50C-407E-A947-70E740481C1C}">
+                <a14:useLocalDpi xmlns:a14="http://schemas.microsoft.com/office/drawing/2010/main" val="0"/>
+              </a:ext>
+            </a:extLst>
+          </a:blip>
+          <a:stretch>
+            <a:fillRect/>
+          </a:stretch>
+        </p:blipFill>
+        <p:spPr>
+          <a:xfrm>
+            <a:off x="485774" y="792395"/>
+            <a:ext cx="8029576" cy="5338062"/>
+          </a:xfrm>
+          <a:prstGeom prst="rect">
+            <a:avLst/>
+          </a:prstGeom>
+        </p:spPr>
+      </p:pic>
     </p:spTree>
     <p:extLst>
       <p:ext uri="{BB962C8B-B14F-4D97-AF65-F5344CB8AC3E}">
-        <p14:creationId xmlns:p14="http://schemas.microsoft.com/office/powerpoint/2010/main" val="1681641556"/>
+        <p14:creationId xmlns:p14="http://schemas.microsoft.com/office/powerpoint/2010/main" val="4087733429"/>
       </p:ext>
     </p:extLst>
   </p:cSld>
   <p:clrMapOvr>
     <a:masterClrMapping/>
   </p:clrMapOvr>
-  <p:timing>
-    <p:tnLst>
-      <p:par>
-        <p:cTn id="1" dur="indefinite" restart="never" nodeType="tmRoot"/>
-      </p:par>
-    </p:tnLst>
-  </p:timing>
 </p:sld>
 </file>
 
@@ -6038,105 +6055,57 @@
           <a:lstStyle/>
           <a:p>
             <a:r>
+              <a:rPr lang="hu-HU" dirty="0"/>
+              <a:t>Bevezetés, téma indoklása</a:t>
+            </a:r>
+            <a:endParaRPr lang="en-US" dirty="0"/>
+          </a:p>
+        </p:txBody>
+      </p:sp>
+      <p:sp>
+        <p:nvSpPr>
+          <p:cNvPr id="3" name="Tartalom helye 2"/>
+          <p:cNvSpPr>
+            <a:spLocks noGrp="1"/>
+          </p:cNvSpPr>
+          <p:nvPr>
+            <p:ph idx="1"/>
+          </p:nvPr>
+        </p:nvSpPr>
+        <p:spPr>
+          <a:xfrm>
+            <a:off x="457200" y="1318846"/>
+            <a:ext cx="8229600" cy="4533314"/>
+          </a:xfrm>
+        </p:spPr>
+        <p:txBody>
+          <a:bodyPr/>
+          <a:lstStyle/>
+          <a:p>
+            <a:r>
+              <a:rPr lang="hu-HU" dirty="0"/>
+              <a:t>Projekt célja: </a:t>
+            </a:r>
+          </a:p>
+          <a:p>
+            <a:pPr lvl="1"/>
+            <a:r>
+              <a:rPr lang="hu-HU" dirty="0"/>
+              <a:t>Egy IT Webáruház készítése</a:t>
+            </a:r>
+          </a:p>
+          <a:p>
+            <a:pPr lvl="1"/>
+            <a:r>
               <a:rPr lang="hu-HU"/>
-              <a:t>Téma kidolgozása</a:t>
-            </a:r>
-            <a:endParaRPr lang="en-US" b="1"/>
-          </a:p>
-        </p:txBody>
-      </p:sp>
-      <p:sp>
-        <p:nvSpPr>
-          <p:cNvPr id="3" name="Tartalom helye 2"/>
-          <p:cNvSpPr>
-            <a:spLocks noGrp="1"/>
-          </p:cNvSpPr>
-          <p:nvPr>
-            <p:ph idx="1"/>
-          </p:nvPr>
-        </p:nvSpPr>
-        <p:spPr/>
-        <p:txBody>
-          <a:bodyPr>
-            <a:normAutofit/>
-          </a:bodyPr>
-          <a:lstStyle/>
-          <a:p>
+              <a:t>Számítógép </a:t>
+            </a:r>
             <a:r>
               <a:rPr lang="hu-HU" dirty="0"/>
-              <a:t>Az én feladataim:</a:t>
-            </a:r>
-          </a:p>
-          <a:p>
-            <a:pPr marL="914400" lvl="1" indent="-514350">
-              <a:buFont typeface="+mj-lt"/>
-              <a:buAutoNum type="arabicPeriod"/>
-            </a:pPr>
-            <a:r>
-              <a:rPr lang="hu-HU" dirty="0" smtClean="0"/>
-              <a:t>Regisztráció </a:t>
-            </a:r>
-            <a:r>
-              <a:rPr lang="hu-HU" dirty="0"/>
-              <a:t>és Bejelentkezés oldal</a:t>
-            </a:r>
-          </a:p>
-          <a:p>
-            <a:pPr marL="914400" lvl="1" indent="-514350">
-              <a:buFont typeface="+mj-lt"/>
-              <a:buAutoNum type="arabicPeriod"/>
-            </a:pPr>
-            <a:r>
-              <a:rPr lang="hu-HU" dirty="0" err="1"/>
-              <a:t>Admin</a:t>
-            </a:r>
-            <a:r>
-              <a:rPr lang="hu-HU" dirty="0"/>
-              <a:t> oldal</a:t>
-            </a:r>
-          </a:p>
-          <a:p>
-            <a:pPr marL="914400" lvl="1" indent="-514350">
-              <a:buFont typeface="+mj-lt"/>
-              <a:buAutoNum type="arabicPeriod"/>
-            </a:pPr>
-            <a:r>
-              <a:rPr lang="hu-HU" dirty="0" smtClean="0"/>
-              <a:t>B</a:t>
-            </a:r>
-            <a:r>
-              <a:rPr lang="hu-HU" dirty="0" smtClean="0"/>
-              <a:t>ackend:</a:t>
-            </a:r>
-          </a:p>
-          <a:p>
-            <a:pPr lvl="2"/>
-            <a:r>
-              <a:rPr lang="hu-HU" dirty="0" err="1" smtClean="0"/>
-              <a:t>Admin</a:t>
-            </a:r>
-            <a:r>
-              <a:rPr lang="hu-HU" dirty="0" smtClean="0"/>
-              <a:t> felületre betölteni a termékeket</a:t>
-            </a:r>
-          </a:p>
-          <a:p>
-            <a:pPr lvl="2"/>
-            <a:r>
-              <a:rPr lang="hu-HU" dirty="0" err="1" smtClean="0"/>
-              <a:t>Admin</a:t>
-            </a:r>
-            <a:r>
-              <a:rPr lang="hu-HU" dirty="0" smtClean="0"/>
-              <a:t> tudjon törölni termékeket</a:t>
-            </a:r>
-            <a:endParaRPr lang="hu-HU" dirty="0"/>
-          </a:p>
-          <a:p>
-            <a:pPr marL="1314450" lvl="2" indent="-514350">
-              <a:buFont typeface="+mj-lt"/>
-              <a:buAutoNum type="arabicPeriod"/>
-            </a:pPr>
+              <a:t>alkatrészeket add el.</a:t>
+            </a:r>
+          </a:p>
+          <a:p>
             <a:endParaRPr lang="en-US" dirty="0"/>
           </a:p>
         </p:txBody>
@@ -6144,20 +6113,13 @@
     </p:spTree>
     <p:extLst>
       <p:ext uri="{BB962C8B-B14F-4D97-AF65-F5344CB8AC3E}">
-        <p14:creationId xmlns:p14="http://schemas.microsoft.com/office/powerpoint/2010/main" val="3986544664"/>
+        <p14:creationId xmlns:p14="http://schemas.microsoft.com/office/powerpoint/2010/main" val="1681641556"/>
       </p:ext>
     </p:extLst>
   </p:cSld>
   <p:clrMapOvr>
     <a:masterClrMapping/>
   </p:clrMapOvr>
-  <p:timing>
-    <p:tnLst>
-      <p:par>
-        <p:cTn id="1" dur="indefinite" restart="never" nodeType="tmRoot"/>
-      </p:par>
-    </p:tnLst>
-  </p:timing>
 </p:sld>
 </file>
 
@@ -6188,59 +6150,40 @@
             <p:ph type="title"/>
           </p:nvPr>
         </p:nvSpPr>
-        <p:spPr>
-          <a:xfrm>
-            <a:off x="457200" y="274638"/>
-            <a:ext cx="8229600" cy="685482"/>
-          </a:xfrm>
-        </p:spPr>
+        <p:spPr/>
+        <p:txBody>
+          <a:bodyPr/>
+          <a:lstStyle/>
+          <a:p>
+            <a:r>
+              <a:rPr lang="hu-HU"/>
+              <a:t>Téma kidolgozása</a:t>
+            </a:r>
+            <a:endParaRPr lang="en-US" b="1"/>
+          </a:p>
+        </p:txBody>
+      </p:sp>
+      <p:sp>
+        <p:nvSpPr>
+          <p:cNvPr id="3" name="Tartalom helye 2"/>
+          <p:cNvSpPr>
+            <a:spLocks noGrp="1"/>
+          </p:cNvSpPr>
+          <p:nvPr>
+            <p:ph idx="1"/>
+          </p:nvPr>
+        </p:nvSpPr>
+        <p:spPr/>
         <p:txBody>
           <a:bodyPr>
-            <a:normAutofit fontScale="90000"/>
+            <a:normAutofit/>
           </a:bodyPr>
           <a:lstStyle/>
           <a:p>
             <a:r>
               <a:rPr lang="hu-HU" dirty="0"/>
-              <a:t>Téma kidolgozása</a:t>
-            </a:r>
-            <a:endParaRPr lang="en-US" b="1" dirty="0"/>
-          </a:p>
-        </p:txBody>
-      </p:sp>
-      <p:sp>
-        <p:nvSpPr>
-          <p:cNvPr id="3" name="Tartalom helye 2"/>
-          <p:cNvSpPr>
-            <a:spLocks noGrp="1"/>
-          </p:cNvSpPr>
-          <p:nvPr>
-            <p:ph idx="1"/>
-          </p:nvPr>
-        </p:nvSpPr>
-        <p:spPr>
-          <a:xfrm>
-            <a:off x="457200" y="960120"/>
-            <a:ext cx="8229600" cy="4525963"/>
-          </a:xfrm>
-        </p:spPr>
-        <p:txBody>
-          <a:bodyPr/>
-          <a:lstStyle/>
-          <a:p>
-            <a:r>
-              <a:rPr lang="hu-HU" dirty="0" smtClean="0"/>
-              <a:t>A társam </a:t>
-            </a:r>
-            <a:r>
-              <a:rPr lang="hu-HU" dirty="0"/>
-              <a:t>f</a:t>
-            </a:r>
-            <a:r>
-              <a:rPr lang="hu-HU" dirty="0" smtClean="0"/>
-              <a:t>eladatai:</a:t>
-            </a:r>
-            <a:endParaRPr lang="hu-HU" dirty="0"/>
+              <a:t>Az én feladataim:</a:t>
+            </a:r>
           </a:p>
           <a:p>
             <a:pPr marL="914400" lvl="1" indent="-514350">
@@ -6248,14 +6191,9 @@
               <a:buAutoNum type="arabicPeriod"/>
             </a:pPr>
             <a:r>
-              <a:rPr lang="hu-HU" dirty="0" smtClean="0"/>
-              <a:t>Főoldal </a:t>
-            </a:r>
-            <a:r>
-              <a:rPr lang="hu-HU" dirty="0" smtClean="0"/>
-              <a:t> elkészítése</a:t>
-            </a:r>
-            <a:endParaRPr lang="hu-HU" dirty="0"/>
+              <a:rPr lang="hu-HU" dirty="0"/>
+              <a:t>Regisztráció és Bejelentkezés oldal</a:t>
+            </a:r>
           </a:p>
           <a:p>
             <a:pPr marL="914400" lvl="1" indent="-514350">
@@ -6263,91 +6201,65 @@
               <a:buAutoNum type="arabicPeriod"/>
             </a:pPr>
             <a:r>
-              <a:rPr lang="hu-HU" dirty="0" smtClean="0"/>
-              <a:t>B</a:t>
-            </a:r>
-            <a:r>
-              <a:rPr lang="hu-HU" dirty="0" smtClean="0"/>
-              <a:t>ackend :</a:t>
+              <a:rPr lang="hu-HU" dirty="0" err="1"/>
+              <a:t>Admin</a:t>
+            </a:r>
+            <a:r>
+              <a:rPr lang="hu-HU" dirty="0"/>
+              <a:t> oldal</a:t>
+            </a:r>
+          </a:p>
+          <a:p>
+            <a:pPr marL="914400" lvl="1" indent="-514350">
+              <a:buFont typeface="+mj-lt"/>
+              <a:buAutoNum type="arabicPeriod"/>
+            </a:pPr>
+            <a:r>
+              <a:rPr lang="hu-HU" dirty="0"/>
+              <a:t>Backend:</a:t>
             </a:r>
           </a:p>
           <a:p>
             <a:pPr lvl="2"/>
             <a:r>
-              <a:rPr lang="hu-HU" dirty="0" err="1" smtClean="0"/>
+              <a:rPr lang="hu-HU" dirty="0" err="1"/>
               <a:t>Admin</a:t>
             </a:r>
             <a:r>
-              <a:rPr lang="hu-HU" dirty="0" smtClean="0"/>
-              <a:t> </a:t>
-            </a:r>
-            <a:r>
               <a:rPr lang="hu-HU" dirty="0"/>
-              <a:t>tudjon újterméket hozzá </a:t>
-            </a:r>
-            <a:r>
-              <a:rPr lang="hu-HU" dirty="0" smtClean="0"/>
-              <a:t>adni</a:t>
-            </a:r>
-          </a:p>
-          <a:p>
+              <a:t> felületre betölteni a termékeket</a:t>
+            </a:r>
+          </a:p>
+          <a:p>
+            <a:pPr lvl="2"/>
+            <a:r>
+              <a:rPr lang="hu-HU" dirty="0" err="1"/>
+              <a:t>Admin</a:t>
+            </a:r>
+            <a:r>
+              <a:rPr lang="hu-HU" dirty="0"/>
+              <a:t> tudjon törölni termékeket</a:t>
+            </a:r>
+          </a:p>
+          <a:p>
+            <a:pPr marL="1314450" lvl="2" indent="-514350">
+              <a:buFont typeface="+mj-lt"/>
+              <a:buAutoNum type="arabicPeriod"/>
+            </a:pPr>
             <a:endParaRPr lang="en-US" dirty="0"/>
           </a:p>
-          <a:p>
-            <a:pPr marL="0" indent="0">
-              <a:buNone/>
-            </a:pPr>
-            <a:endParaRPr lang="hu-HU" dirty="0" smtClean="0"/>
-          </a:p>
-        </p:txBody>
-      </p:sp>
-      <p:pic>
-        <p:nvPicPr>
-          <p:cNvPr id="6" name="Kép 5"/>
-          <p:cNvPicPr>
-            <a:picLocks noChangeAspect="1"/>
-          </p:cNvPicPr>
-          <p:nvPr/>
-        </p:nvPicPr>
-        <p:blipFill>
-          <a:blip r:embed="rId2">
-            <a:extLst>
-              <a:ext uri="{28A0092B-C50C-407E-A947-70E740481C1C}">
-                <a14:useLocalDpi xmlns:a14="http://schemas.microsoft.com/office/drawing/2010/main" val="0"/>
-              </a:ext>
-            </a:extLst>
-          </a:blip>
-          <a:stretch>
-            <a:fillRect/>
-          </a:stretch>
-        </p:blipFill>
-        <p:spPr>
-          <a:xfrm>
-            <a:off x="6768360" y="788829"/>
-            <a:ext cx="1918440" cy="4601828"/>
-          </a:xfrm>
-          <a:prstGeom prst="rect">
-            <a:avLst/>
-          </a:prstGeom>
-        </p:spPr>
-      </p:pic>
+        </p:txBody>
+      </p:sp>
     </p:spTree>
     <p:extLst>
       <p:ext uri="{BB962C8B-B14F-4D97-AF65-F5344CB8AC3E}">
-        <p14:creationId xmlns:p14="http://schemas.microsoft.com/office/powerpoint/2010/main" val="3612688654"/>
+        <p14:creationId xmlns:p14="http://schemas.microsoft.com/office/powerpoint/2010/main" val="3986544664"/>
       </p:ext>
     </p:extLst>
   </p:cSld>
   <p:clrMapOvr>
     <a:masterClrMapping/>
   </p:clrMapOvr>
-  <p:timing>
-    <p:tnLst>
-      <p:par>
-        <p:cTn id="1" dur="indefinite" restart="never" nodeType="tmRoot"/>
-      </p:par>
-    </p:tnLst>
-  </p:timing>
 </p:sld>
 </file>
 

--- a/Tellér Ádám Védési ppt sablon minta.pptx
+++ b/Tellér Ádám Védési ppt sablon minta.pptx
@@ -253,7 +253,7 @@
           <a:p>
             <a:fld id="{431EC5D9-14EA-4073-BCF7-21AF91E5A6EC}" type="datetimeFigureOut">
               <a:rPr lang="hu-HU" smtClean="0"/>
-              <a:t>2022. 04. 19.</a:t>
+              <a:t>2022. 04. 20.</a:t>
             </a:fld>
             <a:endParaRPr lang="hu-HU"/>
           </a:p>
@@ -706,7 +706,7 @@
             <a:fld id="{43CDACE8-B908-4BCA-B0D2-2F2B4B9F69E4}" type="datetime1">
               <a:rPr lang="hu-HU" smtClean="0"/>
               <a:pPr/>
-              <a:t>2022. 04. 19.</a:t>
+              <a:t>2022. 04. 20.</a:t>
             </a:fld>
             <a:endParaRPr lang="hu-HU"/>
           </a:p>
@@ -876,7 +876,7 @@
             <a:fld id="{41E94617-5A3E-46AE-94D1-EC8B61E0CF3F}" type="datetime1">
               <a:rPr lang="hu-HU" smtClean="0"/>
               <a:pPr/>
-              <a:t>2022. 04. 19.</a:t>
+              <a:t>2022. 04. 20.</a:t>
             </a:fld>
             <a:endParaRPr lang="hu-HU"/>
           </a:p>
@@ -1056,7 +1056,7 @@
             <a:fld id="{837D4814-E5D6-478B-BFEB-3B058E46087F}" type="datetime1">
               <a:rPr lang="hu-HU" smtClean="0"/>
               <a:pPr/>
-              <a:t>2022. 04. 19.</a:t>
+              <a:t>2022. 04. 20.</a:t>
             </a:fld>
             <a:endParaRPr lang="hu-HU"/>
           </a:p>
@@ -1423,7 +1423,7 @@
             <a:fld id="{C5F33BC4-C46E-4DB3-ABA1-770966218DD7}" type="datetime1">
               <a:rPr lang="hu-HU" smtClean="0"/>
               <a:pPr/>
-              <a:t>2022. 04. 19.</a:t>
+              <a:t>2022. 04. 20.</a:t>
             </a:fld>
             <a:endParaRPr lang="hu-HU"/>
           </a:p>
@@ -1710,7 +1710,7 @@
             <a:fld id="{912A8047-A0FE-46B9-8291-14DCB3E381BD}" type="datetime1">
               <a:rPr lang="hu-HU" smtClean="0"/>
               <a:pPr/>
-              <a:t>2022. 04. 19.</a:t>
+              <a:t>2022. 04. 20.</a:t>
             </a:fld>
             <a:endParaRPr lang="hu-HU"/>
           </a:p>
@@ -2131,7 +2131,7 @@
             <a:fld id="{E0C46781-2A44-4AAD-BB4C-CD9C91A27BE9}" type="datetime1">
               <a:rPr lang="hu-HU" smtClean="0"/>
               <a:pPr/>
-              <a:t>2022. 04. 19.</a:t>
+              <a:t>2022. 04. 20.</a:t>
             </a:fld>
             <a:endParaRPr lang="hu-HU"/>
           </a:p>
@@ -2250,7 +2250,7 @@
             <a:fld id="{24B31C7E-F4B5-4B68-AA30-B84445760021}" type="datetime1">
               <a:rPr lang="hu-HU" smtClean="0"/>
               <a:pPr/>
-              <a:t>2022. 04. 19.</a:t>
+              <a:t>2022. 04. 20.</a:t>
             </a:fld>
             <a:endParaRPr lang="hu-HU"/>
           </a:p>
@@ -2347,7 +2347,7 @@
             <a:fld id="{ED1DA325-B8B2-4EA5-B4DC-065DE9D9C9E6}" type="datetime1">
               <a:rPr lang="hu-HU" smtClean="0"/>
               <a:pPr/>
-              <a:t>2022. 04. 19.</a:t>
+              <a:t>2022. 04. 20.</a:t>
             </a:fld>
             <a:endParaRPr lang="hu-HU"/>
           </a:p>
@@ -2624,7 +2624,7 @@
             <a:fld id="{EFE6C2C4-E2C5-4ADE-A4CB-ABBDF08E8EC8}" type="datetime1">
               <a:rPr lang="hu-HU" smtClean="0"/>
               <a:pPr/>
-              <a:t>2022. 04. 19.</a:t>
+              <a:t>2022. 04. 20.</a:t>
             </a:fld>
             <a:endParaRPr lang="hu-HU"/>
           </a:p>
@@ -2881,7 +2881,7 @@
             <a:fld id="{59765D8A-E461-4925-92FA-AB2AE71C2962}" type="datetime1">
               <a:rPr lang="hu-HU" smtClean="0"/>
               <a:pPr/>
-              <a:t>2022. 04. 19.</a:t>
+              <a:t>2022. 04. 20.</a:t>
             </a:fld>
             <a:endParaRPr lang="hu-HU"/>
           </a:p>
@@ -3101,7 +3101,7 @@
             <a:fld id="{953B8B21-AA05-40C7-B7DF-ACC7F8671153}" type="datetime1">
               <a:rPr lang="hu-HU" smtClean="0"/>
               <a:pPr/>
-              <a:t>2022. 04. 19.</a:t>
+              <a:t>2022. 04. 20.</a:t>
             </a:fld>
             <a:endParaRPr lang="hu-HU"/>
           </a:p>
@@ -3491,6 +3491,23 @@
           </a:bodyPr>
           <a:lstStyle/>
           <a:p>
+            <a:r>
+              <a:rPr lang="hu-HU" dirty="0">
+                <a:solidFill>
+                  <a:schemeClr val="tx2">
+                    <a:lumMod val="75000"/>
+                  </a:schemeClr>
+                </a:solidFill>
+                <a:effectLst>
+                  <a:outerShdw blurRad="38100" dist="38100" dir="2700000" algn="tl">
+                    <a:srgbClr val="000000">
+                      <a:alpha val="43137"/>
+                    </a:srgbClr>
+                  </a:outerShdw>
+                </a:effectLst>
+              </a:rPr>
+              <a:t/>
+            </a:r>
             <a:br>
               <a:rPr lang="hu-HU" dirty="0">
                 <a:solidFill>
@@ -3540,6 +3557,23 @@
                 </a:effectLst>
               </a:rPr>
             </a:br>
+            <a:r>
+              <a:rPr lang="hu-HU" dirty="0">
+                <a:solidFill>
+                  <a:schemeClr val="tx2">
+                    <a:lumMod val="75000"/>
+                  </a:schemeClr>
+                </a:solidFill>
+                <a:effectLst>
+                  <a:outerShdw blurRad="38100" dist="38100" dir="2700000" algn="tl">
+                    <a:srgbClr val="000000">
+                      <a:alpha val="43137"/>
+                    </a:srgbClr>
+                  </a:outerShdw>
+                </a:effectLst>
+              </a:rPr>
+              <a:t/>
+            </a:r>
             <a:br>
               <a:rPr lang="hu-HU" dirty="0">
                 <a:solidFill>
@@ -3593,12 +3627,26 @@
               <a:rPr lang="hu-HU" sz="2800" b="1" dirty="0"/>
               <a:t>Szoftverfejlesztő és tesztelő technikus</a:t>
             </a:r>
+            <a:r>
+              <a:rPr lang="hu-HU" sz="2800" dirty="0"/>
+              <a:t/>
+            </a:r>
             <a:br>
               <a:rPr lang="hu-HU" sz="2800" dirty="0"/>
             </a:br>
             <a:r>
               <a:rPr lang="hu-HU" sz="3200" b="1" dirty="0"/>
               <a:t>2022</a:t>
+            </a:r>
+            <a:r>
+              <a:rPr lang="hu-HU" b="1" dirty="0">
+                <a:solidFill>
+                  <a:schemeClr val="tx2">
+                    <a:lumMod val="75000"/>
+                  </a:schemeClr>
+                </a:solidFill>
+              </a:rPr>
+              <a:t/>
             </a:r>
             <a:br>
               <a:rPr lang="hu-HU" b="1" dirty="0">
@@ -5195,6 +5243,10 @@
             <a:br>
               <a:rPr lang="hu-HU" dirty="0"/>
             </a:br>
+            <a:r>
+              <a:rPr lang="hu-HU" dirty="0"/>
+              <a:t/>
+            </a:r>
             <a:br>
               <a:rPr lang="hu-HU" dirty="0"/>
             </a:br>
@@ -5255,8 +5307,8 @@
           <a:lstStyle/>
           <a:p>
             <a:r>
-              <a:rPr lang="hu-HU" dirty="0"/>
-              <a:t>Összefoglalás</a:t>
+              <a:rPr lang="hu-HU" smtClean="0"/>
+              <a:t>Bevezetés</a:t>
             </a:r>
             <a:endParaRPr lang="en-US" dirty="0"/>
           </a:p>

--- a/Tellér Ádám Védési ppt sablon minta.pptx
+++ b/Tellér Ádám Védési ppt sablon minta.pptx
@@ -5307,7 +5307,7 @@
           <a:lstStyle/>
           <a:p>
             <a:r>
-              <a:rPr lang="hu-HU" smtClean="0"/>
+              <a:rPr lang="hu-HU" dirty="0" smtClean="0"/>
               <a:t>Bevezetés</a:t>
             </a:r>
             <a:endParaRPr lang="en-US" dirty="0"/>
@@ -5335,10 +5335,6 @@
             </a:r>
           </a:p>
           <a:p>
-            <a:pPr marL="514350" indent="-514350">
-              <a:buFont typeface="+mj-lt"/>
-              <a:buAutoNum type="arabicPeriod"/>
-            </a:pPr>
             <a:r>
               <a:rPr lang="hu-HU" dirty="0"/>
               <a:t>Megterveztük a </a:t>
@@ -5363,31 +5359,35 @@
             </a:r>
           </a:p>
           <a:p>
-            <a:pPr marL="514350" indent="-514350">
-              <a:buFont typeface="+mj-lt"/>
-              <a:buAutoNum type="arabicPeriod"/>
-            </a:pPr>
             <a:r>
               <a:rPr lang="hu-HU" dirty="0"/>
-              <a:t>Ahol dolgoztunk az </a:t>
-            </a:r>
-            <a:r>
-              <a:rPr lang="hu-HU" dirty="0" err="1"/>
+              <a:t>Ahol </a:t>
+            </a:r>
+            <a:r>
+              <a:rPr lang="hu-HU" dirty="0" smtClean="0"/>
+              <a:t>dolgoztunk: </a:t>
+            </a:r>
+          </a:p>
+          <a:p>
+            <a:pPr lvl="1"/>
+            <a:r>
+              <a:rPr lang="hu-HU" dirty="0" smtClean="0"/>
+              <a:t> </a:t>
+            </a:r>
+            <a:r>
+              <a:rPr lang="hu-HU" dirty="0" err="1" smtClean="0"/>
               <a:t>Githubon</a:t>
             </a:r>
             <a:endParaRPr lang="hu-HU" dirty="0"/>
           </a:p>
           <a:p>
-            <a:pPr marL="514350" indent="-514350">
-              <a:buFont typeface="+mj-lt"/>
-              <a:buAutoNum type="arabicPeriod"/>
-            </a:pPr>
-            <a:r>
-              <a:rPr lang="hu-HU" dirty="0" err="1"/>
+            <a:pPr lvl="1"/>
+            <a:r>
+              <a:rPr lang="hu-HU" smtClean="0"/>
               <a:t>Discordon</a:t>
             </a:r>
             <a:r>
-              <a:rPr lang="hu-HU" dirty="0"/>
+              <a:rPr lang="hu-HU" dirty="0" smtClean="0"/>
               <a:t> </a:t>
             </a:r>
           </a:p>

--- a/Tellér Ádám Védési ppt sablon minta.pptx
+++ b/Tellér Ádám Védési ppt sablon minta.pptx
@@ -3714,133 +3714,9 @@
   <p:timing>
     <p:tnLst>
       <p:par>
-        <p:cTn id="1" dur="indefinite" restart="never" nodeType="tmRoot">
-          <p:childTnLst>
-            <p:seq concurrent="1" nextAc="seek">
-              <p:cTn id="2" dur="indefinite" nodeType="mainSeq">
-                <p:childTnLst>
-                  <p:par>
-                    <p:cTn id="3" fill="hold">
-                      <p:stCondLst>
-                        <p:cond delay="indefinite"/>
-                      </p:stCondLst>
-                      <p:childTnLst>
-                        <p:par>
-                          <p:cTn id="4" fill="hold">
-                            <p:stCondLst>
-                              <p:cond delay="0"/>
-                            </p:stCondLst>
-                            <p:childTnLst>
-                              <p:par>
-                                <p:cTn id="5" presetID="1" presetClass="entr" presetSubtype="0" fill="hold" nodeType="clickEffect">
-                                  <p:stCondLst>
-                                    <p:cond delay="0"/>
-                                  </p:stCondLst>
-                                  <p:childTnLst>
-                                    <p:set>
-                                      <p:cBhvr>
-                                        <p:cTn id="6" dur="1" fill="hold">
-                                          <p:stCondLst>
-                                            <p:cond delay="0"/>
-                                          </p:stCondLst>
-                                        </p:cTn>
-                                        <p:tgtEl>
-                                          <p:spTgt spid="6"/>
-                                        </p:tgtEl>
-                                        <p:attrNameLst>
-                                          <p:attrName>style.visibility</p:attrName>
-                                        </p:attrNameLst>
-                                      </p:cBhvr>
-                                      <p:to>
-                                        <p:strVal val="visible"/>
-                                      </p:to>
-                                    </p:set>
-                                  </p:childTnLst>
-                                </p:cTn>
-                              </p:par>
-                            </p:childTnLst>
-                          </p:cTn>
-                        </p:par>
-                      </p:childTnLst>
-                    </p:cTn>
-                  </p:par>
-                  <p:par>
-                    <p:cTn id="7" fill="hold">
-                      <p:stCondLst>
-                        <p:cond delay="indefinite"/>
-                      </p:stCondLst>
-                      <p:childTnLst>
-                        <p:par>
-                          <p:cTn id="8" fill="hold">
-                            <p:stCondLst>
-                              <p:cond delay="0"/>
-                            </p:stCondLst>
-                            <p:childTnLst>
-                              <p:par>
-                                <p:cTn id="9" presetID="22" presetClass="entr" presetSubtype="4" fill="hold" grpId="0" nodeType="clickEffect">
-                                  <p:stCondLst>
-                                    <p:cond delay="0"/>
-                                  </p:stCondLst>
-                                  <p:childTnLst>
-                                    <p:set>
-                                      <p:cBhvr>
-                                        <p:cTn id="10" dur="1" fill="hold">
-                                          <p:stCondLst>
-                                            <p:cond delay="0"/>
-                                          </p:stCondLst>
-                                        </p:cTn>
-                                        <p:tgtEl>
-                                          <p:spTgt spid="2"/>
-                                        </p:tgtEl>
-                                        <p:attrNameLst>
-                                          <p:attrName>style.visibility</p:attrName>
-                                        </p:attrNameLst>
-                                      </p:cBhvr>
-                                      <p:to>
-                                        <p:strVal val="visible"/>
-                                      </p:to>
-                                    </p:set>
-                                    <p:animEffect transition="in" filter="wipe(down)">
-                                      <p:cBhvr>
-                                        <p:cTn id="11" dur="500"/>
-                                        <p:tgtEl>
-                                          <p:spTgt spid="2"/>
-                                        </p:tgtEl>
-                                      </p:cBhvr>
-                                    </p:animEffect>
-                                  </p:childTnLst>
-                                </p:cTn>
-                              </p:par>
-                            </p:childTnLst>
-                          </p:cTn>
-                        </p:par>
-                      </p:childTnLst>
-                    </p:cTn>
-                  </p:par>
-                </p:childTnLst>
-              </p:cTn>
-              <p:prevCondLst>
-                <p:cond evt="onPrev" delay="0">
-                  <p:tgtEl>
-                    <p:sldTgt/>
-                  </p:tgtEl>
-                </p:cond>
-              </p:prevCondLst>
-              <p:nextCondLst>
-                <p:cond evt="onNext" delay="0">
-                  <p:tgtEl>
-                    <p:sldTgt/>
-                  </p:tgtEl>
-                </p:cond>
-              </p:nextCondLst>
-            </p:seq>
-          </p:childTnLst>
-        </p:cTn>
+        <p:cTn id="1" dur="indefinite" restart="never" nodeType="tmRoot"/>
       </p:par>
     </p:tnLst>
-    <p:bldLst>
-      <p:bldP spid="2" grpId="0"/>
-    </p:bldLst>
   </p:timing>
 </p:sld>
 </file>
@@ -3999,6 +3875,13 @@
   <p:clrMapOvr>
     <a:masterClrMapping/>
   </p:clrMapOvr>
+  <p:timing>
+    <p:tnLst>
+      <p:par>
+        <p:cTn id="1" dur="indefinite" restart="never" nodeType="tmRoot"/>
+      </p:par>
+    </p:tnLst>
+  </p:timing>
 </p:sld>
 </file>
 
@@ -4134,6 +4017,13 @@
   <p:clrMapOvr>
     <a:masterClrMapping/>
   </p:clrMapOvr>
+  <p:timing>
+    <p:tnLst>
+      <p:par>
+        <p:cTn id="1" dur="indefinite" restart="never" nodeType="tmRoot"/>
+      </p:par>
+    </p:tnLst>
+  </p:timing>
 </p:sld>
 </file>
 
@@ -4256,186 +4146,9 @@
   <p:timing>
     <p:tnLst>
       <p:par>
-        <p:cTn id="1" dur="indefinite" restart="never" nodeType="tmRoot">
-          <p:childTnLst>
-            <p:seq concurrent="1" nextAc="seek">
-              <p:cTn id="2" dur="indefinite" nodeType="mainSeq">
-                <p:childTnLst>
-                  <p:par>
-                    <p:cTn id="3" fill="hold">
-                      <p:stCondLst>
-                        <p:cond delay="indefinite"/>
-                      </p:stCondLst>
-                      <p:childTnLst>
-                        <p:par>
-                          <p:cTn id="4" fill="hold">
-                            <p:stCondLst>
-                              <p:cond delay="0"/>
-                            </p:stCondLst>
-                            <p:childTnLst>
-                              <p:par>
-                                <p:cTn id="5" presetID="1" presetClass="entr" presetSubtype="0" fill="hold" grpId="0" nodeType="clickEffect">
-                                  <p:stCondLst>
-                                    <p:cond delay="0"/>
-                                  </p:stCondLst>
-                                  <p:childTnLst>
-                                    <p:set>
-                                      <p:cBhvr>
-                                        <p:cTn id="6" dur="1" fill="hold">
-                                          <p:stCondLst>
-                                            <p:cond delay="0"/>
-                                          </p:stCondLst>
-                                        </p:cTn>
-                                        <p:tgtEl>
-                                          <p:spTgt spid="2"/>
-                                        </p:tgtEl>
-                                        <p:attrNameLst>
-                                          <p:attrName>style.visibility</p:attrName>
-                                        </p:attrNameLst>
-                                      </p:cBhvr>
-                                      <p:to>
-                                        <p:strVal val="visible"/>
-                                      </p:to>
-                                    </p:set>
-                                  </p:childTnLst>
-                                </p:cTn>
-                              </p:par>
-                            </p:childTnLst>
-                          </p:cTn>
-                        </p:par>
-                      </p:childTnLst>
-                    </p:cTn>
-                  </p:par>
-                  <p:par>
-                    <p:cTn id="7" fill="hold">
-                      <p:stCondLst>
-                        <p:cond delay="indefinite"/>
-                      </p:stCondLst>
-                      <p:childTnLst>
-                        <p:par>
-                          <p:cTn id="8" fill="hold">
-                            <p:stCondLst>
-                              <p:cond delay="0"/>
-                            </p:stCondLst>
-                            <p:childTnLst>
-                              <p:par>
-                                <p:cTn id="9" presetID="6" presetClass="entr" presetSubtype="16" fill="hold" nodeType="clickEffect">
-                                  <p:stCondLst>
-                                    <p:cond delay="0"/>
-                                  </p:stCondLst>
-                                  <p:childTnLst>
-                                    <p:set>
-                                      <p:cBhvr>
-                                        <p:cTn id="10" dur="1" fill="hold">
-                                          <p:stCondLst>
-                                            <p:cond delay="0"/>
-                                          </p:stCondLst>
-                                        </p:cTn>
-                                        <p:tgtEl>
-                                          <p:spTgt spid="6"/>
-                                        </p:tgtEl>
-                                        <p:attrNameLst>
-                                          <p:attrName>style.visibility</p:attrName>
-                                        </p:attrNameLst>
-                                      </p:cBhvr>
-                                      <p:to>
-                                        <p:strVal val="visible"/>
-                                      </p:to>
-                                    </p:set>
-                                    <p:animEffect transition="in" filter="circle(in)">
-                                      <p:cBhvr>
-                                        <p:cTn id="11" dur="2000"/>
-                                        <p:tgtEl>
-                                          <p:spTgt spid="6"/>
-                                        </p:tgtEl>
-                                      </p:cBhvr>
-                                    </p:animEffect>
-                                  </p:childTnLst>
-                                </p:cTn>
-                              </p:par>
-                            </p:childTnLst>
-                          </p:cTn>
-                        </p:par>
-                      </p:childTnLst>
-                    </p:cTn>
-                  </p:par>
-                  <p:par>
-                    <p:cTn id="12" fill="hold">
-                      <p:stCondLst>
-                        <p:cond delay="indefinite"/>
-                      </p:stCondLst>
-                      <p:childTnLst>
-                        <p:par>
-                          <p:cTn id="13" fill="hold">
-                            <p:stCondLst>
-                              <p:cond delay="0"/>
-                            </p:stCondLst>
-                            <p:childTnLst>
-                              <p:par>
-                                <p:cTn id="14" presetID="6" presetClass="entr" presetSubtype="16" fill="hold" nodeType="clickEffect">
-                                  <p:stCondLst>
-                                    <p:cond delay="0"/>
-                                  </p:stCondLst>
-                                  <p:childTnLst>
-                                    <p:set>
-                                      <p:cBhvr>
-                                        <p:cTn id="15" dur="1" fill="hold">
-                                          <p:stCondLst>
-                                            <p:cond delay="0"/>
-                                          </p:stCondLst>
-                                        </p:cTn>
-                                        <p:tgtEl>
-                                          <p:spTgt spid="8"/>
-                                        </p:tgtEl>
-                                        <p:attrNameLst>
-                                          <p:attrName>style.visibility</p:attrName>
-                                        </p:attrNameLst>
-                                      </p:cBhvr>
-                                      <p:to>
-                                        <p:strVal val="visible"/>
-                                      </p:to>
-                                    </p:set>
-                                    <p:animEffect transition="in" filter="circle(in)">
-                                      <p:cBhvr>
-                                        <p:cTn id="16" dur="2000"/>
-                                        <p:tgtEl>
-                                          <p:spTgt spid="8"/>
-                                        </p:tgtEl>
-                                      </p:cBhvr>
-                                    </p:animEffect>
-                                  </p:childTnLst>
-                                </p:cTn>
-                              </p:par>
-                            </p:childTnLst>
-                          </p:cTn>
-                        </p:par>
-                      </p:childTnLst>
-                    </p:cTn>
-                  </p:par>
-                </p:childTnLst>
-              </p:cTn>
-              <p:prevCondLst>
-                <p:cond evt="onPrev" delay="0">
-                  <p:tgtEl>
-                    <p:sldTgt/>
-                  </p:tgtEl>
-                </p:cond>
-              </p:prevCondLst>
-              <p:nextCondLst>
-                <p:cond evt="onNext" delay="0">
-                  <p:tgtEl>
-                    <p:sldTgt/>
-                  </p:tgtEl>
-                </p:cond>
-              </p:nextCondLst>
-            </p:seq>
-          </p:childTnLst>
-        </p:cTn>
+        <p:cTn id="1" dur="indefinite" restart="never" nodeType="tmRoot"/>
       </p:par>
     </p:tnLst>
-    <p:bldLst>
-      <p:bldP spid="2" grpId="0"/>
-    </p:bldLst>
   </p:timing>
 </p:sld>
 </file>
@@ -4542,179 +4255,9 @@
   <p:timing>
     <p:tnLst>
       <p:par>
-        <p:cTn id="1" dur="indefinite" restart="never" nodeType="tmRoot">
-          <p:childTnLst>
-            <p:seq concurrent="1" nextAc="seek">
-              <p:cTn id="2" dur="indefinite" nodeType="mainSeq">
-                <p:childTnLst>
-                  <p:par>
-                    <p:cTn id="3" fill="hold">
-                      <p:stCondLst>
-                        <p:cond delay="indefinite"/>
-                      </p:stCondLst>
-                      <p:childTnLst>
-                        <p:par>
-                          <p:cTn id="4" fill="hold">
-                            <p:stCondLst>
-                              <p:cond delay="0"/>
-                            </p:stCondLst>
-                            <p:childTnLst>
-                              <p:par>
-                                <p:cTn id="5" presetID="42" presetClass="entr" presetSubtype="0" fill="hold" nodeType="clickEffect">
-                                  <p:stCondLst>
-                                    <p:cond delay="0"/>
-                                  </p:stCondLst>
-                                  <p:childTnLst>
-                                    <p:set>
-                                      <p:cBhvr>
-                                        <p:cTn id="6" dur="1" fill="hold">
-                                          <p:stCondLst>
-                                            <p:cond delay="0"/>
-                                          </p:stCondLst>
-                                        </p:cTn>
-                                        <p:tgtEl>
-                                          <p:spTgt spid="5"/>
-                                        </p:tgtEl>
-                                        <p:attrNameLst>
-                                          <p:attrName>style.visibility</p:attrName>
-                                        </p:attrNameLst>
-                                      </p:cBhvr>
-                                      <p:to>
-                                        <p:strVal val="visible"/>
-                                      </p:to>
-                                    </p:set>
-                                    <p:animEffect transition="in" filter="fade">
-                                      <p:cBhvr>
-                                        <p:cTn id="7" dur="1000"/>
-                                        <p:tgtEl>
-                                          <p:spTgt spid="5"/>
-                                        </p:tgtEl>
-                                      </p:cBhvr>
-                                    </p:animEffect>
-                                    <p:anim calcmode="lin" valueType="num">
-                                      <p:cBhvr>
-                                        <p:cTn id="8" dur="1000" fill="hold"/>
-                                        <p:tgtEl>
-                                          <p:spTgt spid="5"/>
-                                        </p:tgtEl>
-                                        <p:attrNameLst>
-                                          <p:attrName>ppt_x</p:attrName>
-                                        </p:attrNameLst>
-                                      </p:cBhvr>
-                                      <p:tavLst>
-                                        <p:tav tm="0">
-                                          <p:val>
-                                            <p:strVal val="#ppt_x"/>
-                                          </p:val>
-                                        </p:tav>
-                                        <p:tav tm="100000">
-                                          <p:val>
-                                            <p:strVal val="#ppt_x"/>
-                                          </p:val>
-                                        </p:tav>
-                                      </p:tavLst>
-                                    </p:anim>
-                                    <p:anim calcmode="lin" valueType="num">
-                                      <p:cBhvr>
-                                        <p:cTn id="9" dur="1000" fill="hold"/>
-                                        <p:tgtEl>
-                                          <p:spTgt spid="5"/>
-                                        </p:tgtEl>
-                                        <p:attrNameLst>
-                                          <p:attrName>ppt_y</p:attrName>
-                                        </p:attrNameLst>
-                                      </p:cBhvr>
-                                      <p:tavLst>
-                                        <p:tav tm="0">
-                                          <p:val>
-                                            <p:strVal val="#ppt_y+.1"/>
-                                          </p:val>
-                                        </p:tav>
-                                        <p:tav tm="100000">
-                                          <p:val>
-                                            <p:strVal val="#ppt_y"/>
-                                          </p:val>
-                                        </p:tav>
-                                      </p:tavLst>
-                                    </p:anim>
-                                  </p:childTnLst>
-                                </p:cTn>
-                              </p:par>
-                            </p:childTnLst>
-                          </p:cTn>
-                        </p:par>
-                      </p:childTnLst>
-                    </p:cTn>
-                  </p:par>
-                  <p:par>
-                    <p:cTn id="10" fill="hold">
-                      <p:stCondLst>
-                        <p:cond delay="indefinite"/>
-                      </p:stCondLst>
-                      <p:childTnLst>
-                        <p:par>
-                          <p:cTn id="11" fill="hold">
-                            <p:stCondLst>
-                              <p:cond delay="0"/>
-                            </p:stCondLst>
-                            <p:childTnLst>
-                              <p:par>
-                                <p:cTn id="12" presetID="1" presetClass="entr" presetSubtype="0" fill="hold" grpId="0" nodeType="clickEffect">
-                                  <p:stCondLst>
-                                    <p:cond delay="0"/>
-                                  </p:stCondLst>
-                                  <p:childTnLst>
-                                    <p:set>
-                                      <p:cBhvr>
-                                        <p:cTn id="13" dur="1" fill="hold">
-                                          <p:stCondLst>
-                                            <p:cond delay="0"/>
-                                          </p:stCondLst>
-                                        </p:cTn>
-                                        <p:tgtEl>
-                                          <p:spTgt spid="2"/>
-                                        </p:tgtEl>
-                                        <p:attrNameLst>
-                                          <p:attrName>style.visibility</p:attrName>
-                                        </p:attrNameLst>
-                                      </p:cBhvr>
-                                      <p:to>
-                                        <p:strVal val="visible"/>
-                                      </p:to>
-                                    </p:set>
-                                  </p:childTnLst>
-                                </p:cTn>
-                              </p:par>
-                            </p:childTnLst>
-                          </p:cTn>
-                        </p:par>
-                      </p:childTnLst>
-                    </p:cTn>
-                  </p:par>
-                </p:childTnLst>
-              </p:cTn>
-              <p:prevCondLst>
-                <p:cond evt="onPrev" delay="0">
-                  <p:tgtEl>
-                    <p:sldTgt/>
-                  </p:tgtEl>
-                </p:cond>
-              </p:prevCondLst>
-              <p:nextCondLst>
-                <p:cond evt="onNext" delay="0">
-                  <p:tgtEl>
-                    <p:sldTgt/>
-                  </p:tgtEl>
-                </p:cond>
-              </p:nextCondLst>
-            </p:seq>
-          </p:childTnLst>
-        </p:cTn>
+        <p:cTn id="1" dur="indefinite" restart="never" nodeType="tmRoot"/>
       </p:par>
     </p:tnLst>
-    <p:bldLst>
-      <p:bldP spid="2" grpId="0"/>
-    </p:bldLst>
   </p:timing>
 </p:sld>
 </file>
@@ -4801,179 +4344,9 @@
   <p:timing>
     <p:tnLst>
       <p:par>
-        <p:cTn id="1" dur="indefinite" restart="never" nodeType="tmRoot">
-          <p:childTnLst>
-            <p:seq concurrent="1" nextAc="seek">
-              <p:cTn id="2" dur="indefinite" nodeType="mainSeq">
-                <p:childTnLst>
-                  <p:par>
-                    <p:cTn id="3" fill="hold">
-                      <p:stCondLst>
-                        <p:cond delay="indefinite"/>
-                      </p:stCondLst>
-                      <p:childTnLst>
-                        <p:par>
-                          <p:cTn id="4" fill="hold">
-                            <p:stCondLst>
-                              <p:cond delay="0"/>
-                            </p:stCondLst>
-                            <p:childTnLst>
-                              <p:par>
-                                <p:cTn id="5" presetID="42" presetClass="entr" presetSubtype="0" fill="hold" nodeType="clickEffect">
-                                  <p:stCondLst>
-                                    <p:cond delay="0"/>
-                                  </p:stCondLst>
-                                  <p:childTnLst>
-                                    <p:set>
-                                      <p:cBhvr>
-                                        <p:cTn id="6" dur="1" fill="hold">
-                                          <p:stCondLst>
-                                            <p:cond delay="0"/>
-                                          </p:stCondLst>
-                                        </p:cTn>
-                                        <p:tgtEl>
-                                          <p:spTgt spid="4"/>
-                                        </p:tgtEl>
-                                        <p:attrNameLst>
-                                          <p:attrName>style.visibility</p:attrName>
-                                        </p:attrNameLst>
-                                      </p:cBhvr>
-                                      <p:to>
-                                        <p:strVal val="visible"/>
-                                      </p:to>
-                                    </p:set>
-                                    <p:animEffect transition="in" filter="fade">
-                                      <p:cBhvr>
-                                        <p:cTn id="7" dur="1000"/>
-                                        <p:tgtEl>
-                                          <p:spTgt spid="4"/>
-                                        </p:tgtEl>
-                                      </p:cBhvr>
-                                    </p:animEffect>
-                                    <p:anim calcmode="lin" valueType="num">
-                                      <p:cBhvr>
-                                        <p:cTn id="8" dur="1000" fill="hold"/>
-                                        <p:tgtEl>
-                                          <p:spTgt spid="4"/>
-                                        </p:tgtEl>
-                                        <p:attrNameLst>
-                                          <p:attrName>ppt_x</p:attrName>
-                                        </p:attrNameLst>
-                                      </p:cBhvr>
-                                      <p:tavLst>
-                                        <p:tav tm="0">
-                                          <p:val>
-                                            <p:strVal val="#ppt_x"/>
-                                          </p:val>
-                                        </p:tav>
-                                        <p:tav tm="100000">
-                                          <p:val>
-                                            <p:strVal val="#ppt_x"/>
-                                          </p:val>
-                                        </p:tav>
-                                      </p:tavLst>
-                                    </p:anim>
-                                    <p:anim calcmode="lin" valueType="num">
-                                      <p:cBhvr>
-                                        <p:cTn id="9" dur="1000" fill="hold"/>
-                                        <p:tgtEl>
-                                          <p:spTgt spid="4"/>
-                                        </p:tgtEl>
-                                        <p:attrNameLst>
-                                          <p:attrName>ppt_y</p:attrName>
-                                        </p:attrNameLst>
-                                      </p:cBhvr>
-                                      <p:tavLst>
-                                        <p:tav tm="0">
-                                          <p:val>
-                                            <p:strVal val="#ppt_y+.1"/>
-                                          </p:val>
-                                        </p:tav>
-                                        <p:tav tm="100000">
-                                          <p:val>
-                                            <p:strVal val="#ppt_y"/>
-                                          </p:val>
-                                        </p:tav>
-                                      </p:tavLst>
-                                    </p:anim>
-                                  </p:childTnLst>
-                                </p:cTn>
-                              </p:par>
-                            </p:childTnLst>
-                          </p:cTn>
-                        </p:par>
-                      </p:childTnLst>
-                    </p:cTn>
-                  </p:par>
-                  <p:par>
-                    <p:cTn id="10" fill="hold">
-                      <p:stCondLst>
-                        <p:cond delay="indefinite"/>
-                      </p:stCondLst>
-                      <p:childTnLst>
-                        <p:par>
-                          <p:cTn id="11" fill="hold">
-                            <p:stCondLst>
-                              <p:cond delay="0"/>
-                            </p:stCondLst>
-                            <p:childTnLst>
-                              <p:par>
-                                <p:cTn id="12" presetID="1" presetClass="entr" presetSubtype="0" fill="hold" grpId="0" nodeType="clickEffect">
-                                  <p:stCondLst>
-                                    <p:cond delay="0"/>
-                                  </p:stCondLst>
-                                  <p:childTnLst>
-                                    <p:set>
-                                      <p:cBhvr>
-                                        <p:cTn id="13" dur="1" fill="hold">
-                                          <p:stCondLst>
-                                            <p:cond delay="0"/>
-                                          </p:stCondLst>
-                                        </p:cTn>
-                                        <p:tgtEl>
-                                          <p:spTgt spid="2"/>
-                                        </p:tgtEl>
-                                        <p:attrNameLst>
-                                          <p:attrName>style.visibility</p:attrName>
-                                        </p:attrNameLst>
-                                      </p:cBhvr>
-                                      <p:to>
-                                        <p:strVal val="visible"/>
-                                      </p:to>
-                                    </p:set>
-                                  </p:childTnLst>
-                                </p:cTn>
-                              </p:par>
-                            </p:childTnLst>
-                          </p:cTn>
-                        </p:par>
-                      </p:childTnLst>
-                    </p:cTn>
-                  </p:par>
-                </p:childTnLst>
-              </p:cTn>
-              <p:prevCondLst>
-                <p:cond evt="onPrev" delay="0">
-                  <p:tgtEl>
-                    <p:sldTgt/>
-                  </p:tgtEl>
-                </p:cond>
-              </p:prevCondLst>
-              <p:nextCondLst>
-                <p:cond evt="onNext" delay="0">
-                  <p:tgtEl>
-                    <p:sldTgt/>
-                  </p:tgtEl>
-                </p:cond>
-              </p:nextCondLst>
-            </p:seq>
-          </p:childTnLst>
-        </p:cTn>
+        <p:cTn id="1" dur="indefinite" restart="never" nodeType="tmRoot"/>
       </p:par>
     </p:tnLst>
-    <p:bldLst>
-      <p:bldP spid="2" grpId="0"/>
-    </p:bldLst>
   </p:timing>
 </p:sld>
 </file>
@@ -5068,129 +4441,7 @@
   <p:timing>
     <p:tnLst>
       <p:par>
-        <p:cTn id="1" dur="indefinite" restart="never" nodeType="tmRoot">
-          <p:childTnLst>
-            <p:seq concurrent="1" nextAc="seek">
-              <p:cTn id="2" dur="indefinite" nodeType="mainSeq">
-                <p:childTnLst>
-                  <p:par>
-                    <p:cTn id="3" fill="hold">
-                      <p:stCondLst>
-                        <p:cond delay="indefinite"/>
-                      </p:stCondLst>
-                      <p:childTnLst>
-                        <p:par>
-                          <p:cTn id="4" fill="hold">
-                            <p:stCondLst>
-                              <p:cond delay="0"/>
-                            </p:stCondLst>
-                            <p:childTnLst>
-                              <p:par>
-                                <p:cTn id="5" presetID="42" presetClass="entr" presetSubtype="0" fill="hold" nodeType="clickEffect">
-                                  <p:stCondLst>
-                                    <p:cond delay="0"/>
-                                  </p:stCondLst>
-                                  <p:childTnLst>
-                                    <p:set>
-                                      <p:cBhvr>
-                                        <p:cTn id="6" dur="1" fill="hold">
-                                          <p:stCondLst>
-                                            <p:cond delay="0"/>
-                                          </p:stCondLst>
-                                        </p:cTn>
-                                        <p:tgtEl>
-                                          <p:spTgt spid="3"/>
-                                        </p:tgtEl>
-                                        <p:attrNameLst>
-                                          <p:attrName>style.visibility</p:attrName>
-                                        </p:attrNameLst>
-                                      </p:cBhvr>
-                                      <p:to>
-                                        <p:strVal val="visible"/>
-                                      </p:to>
-                                    </p:set>
-                                    <p:animEffect transition="in" filter="fade">
-                                      <p:cBhvr>
-                                        <p:cTn id="7" dur="1000"/>
-                                        <p:tgtEl>
-                                          <p:spTgt spid="3"/>
-                                        </p:tgtEl>
-                                      </p:cBhvr>
-                                    </p:animEffect>
-                                    <p:anim calcmode="lin" valueType="num">
-                                      <p:cBhvr>
-                                        <p:cTn id="8" dur="1000" fill="hold"/>
-                                        <p:tgtEl>
-                                          <p:spTgt spid="3"/>
-                                        </p:tgtEl>
-                                        <p:attrNameLst>
-                                          <p:attrName>ppt_x</p:attrName>
-                                        </p:attrNameLst>
-                                      </p:cBhvr>
-                                      <p:tavLst>
-                                        <p:tav tm="0">
-                                          <p:val>
-                                            <p:strVal val="#ppt_x"/>
-                                          </p:val>
-                                        </p:tav>
-                                        <p:tav tm="100000">
-                                          <p:val>
-                                            <p:strVal val="#ppt_x"/>
-                                          </p:val>
-                                        </p:tav>
-                                      </p:tavLst>
-                                    </p:anim>
-                                    <p:anim calcmode="lin" valueType="num">
-                                      <p:cBhvr>
-                                        <p:cTn id="9" dur="1000" fill="hold"/>
-                                        <p:tgtEl>
-                                          <p:spTgt spid="3"/>
-                                        </p:tgtEl>
-                                        <p:attrNameLst>
-                                          <p:attrName>ppt_y</p:attrName>
-                                        </p:attrNameLst>
-                                      </p:cBhvr>
-                                      <p:tavLst>
-                                        <p:tav tm="0">
-                                          <p:val>
-                                            <p:strVal val="#ppt_y+.1"/>
-                                          </p:val>
-                                        </p:tav>
-                                        <p:tav tm="100000">
-                                          <p:val>
-                                            <p:strVal val="#ppt_y"/>
-                                          </p:val>
-                                        </p:tav>
-                                      </p:tavLst>
-                                    </p:anim>
-                                  </p:childTnLst>
-                                </p:cTn>
-                              </p:par>
-                            </p:childTnLst>
-                          </p:cTn>
-                        </p:par>
-                      </p:childTnLst>
-                    </p:cTn>
-                  </p:par>
-                </p:childTnLst>
-              </p:cTn>
-              <p:prevCondLst>
-                <p:cond evt="onPrev" delay="0">
-                  <p:tgtEl>
-                    <p:sldTgt/>
-                  </p:tgtEl>
-                </p:cond>
-              </p:prevCondLst>
-              <p:nextCondLst>
-                <p:cond evt="onNext" delay="0">
-                  <p:tgtEl>
-                    <p:sldTgt/>
-                  </p:tgtEl>
-                </p:cond>
-              </p:nextCondLst>
-            </p:seq>
-          </p:childTnLst>
-        </p:cTn>
+        <p:cTn id="1" dur="indefinite" restart="never" nodeType="tmRoot"/>
       </p:par>
     </p:tnLst>
   </p:timing>
@@ -5271,6 +4522,13 @@
   <p:clrMapOvr>
     <a:masterClrMapping/>
   </p:clrMapOvr>
+  <p:timing>
+    <p:tnLst>
+      <p:par>
+        <p:cTn id="1" dur="indefinite" restart="never" nodeType="tmRoot"/>
+      </p:par>
+    </p:tnLst>
+  </p:timing>
 </p:sld>
 </file>
 
@@ -5383,7 +4641,7 @@
           <a:p>
             <a:pPr lvl="1"/>
             <a:r>
-              <a:rPr lang="hu-HU" smtClean="0"/>
+              <a:rPr lang="hu-HU" dirty="0" err="1" smtClean="0"/>
               <a:t>Discordon</a:t>
             </a:r>
             <a:r>
@@ -5427,6 +4685,13 @@
   <p:clrMapOvr>
     <a:masterClrMapping/>
   </p:clrMapOvr>
+  <p:timing>
+    <p:tnLst>
+      <p:par>
+        <p:cTn id="1" dur="indefinite" restart="never" nodeType="tmRoot"/>
+      </p:par>
+    </p:tnLst>
+  </p:timing>
 </p:sld>
 </file>
 
@@ -5547,6 +4812,13 @@
   <p:clrMapOvr>
     <a:masterClrMapping/>
   </p:clrMapOvr>
+  <p:timing>
+    <p:tnLst>
+      <p:par>
+        <p:cTn id="1" dur="indefinite" restart="never" nodeType="tmRoot"/>
+      </p:par>
+    </p:tnLst>
+  </p:timing>
 </p:sld>
 </file>
 
@@ -5667,6 +4939,13 @@
   <p:clrMapOvr>
     <a:masterClrMapping/>
   </p:clrMapOvr>
+  <p:timing>
+    <p:tnLst>
+      <p:par>
+        <p:cTn id="1" dur="indefinite" restart="never" nodeType="tmRoot"/>
+      </p:par>
+    </p:tnLst>
+  </p:timing>
 </p:sld>
 </file>
 
@@ -5787,6 +5066,13 @@
   <p:clrMapOvr>
     <a:masterClrMapping/>
   </p:clrMapOvr>
+  <p:timing>
+    <p:tnLst>
+      <p:par>
+        <p:cTn id="1" dur="indefinite" restart="never" nodeType="tmRoot"/>
+      </p:par>
+    </p:tnLst>
+  </p:timing>
 </p:sld>
 </file>
 
@@ -5928,6 +5214,13 @@
   <p:clrMapOvr>
     <a:masterClrMapping/>
   </p:clrMapOvr>
+  <p:timing>
+    <p:tnLst>
+      <p:par>
+        <p:cTn id="1" dur="indefinite" restart="never" nodeType="tmRoot"/>
+      </p:par>
+    </p:tnLst>
+  </p:timing>
 </p:sld>
 </file>
 
@@ -6071,6 +5364,13 @@
   <p:clrMapOvr>
     <a:masterClrMapping/>
   </p:clrMapOvr>
+  <p:timing>
+    <p:tnLst>
+      <p:par>
+        <p:cTn id="1" dur="indefinite" restart="never" nodeType="tmRoot"/>
+      </p:par>
+    </p:tnLst>
+  </p:timing>
 </p:sld>
 </file>
 
@@ -6172,6 +5472,13 @@
   <p:clrMapOvr>
     <a:masterClrMapping/>
   </p:clrMapOvr>
+  <p:timing>
+    <p:tnLst>
+      <p:par>
+        <p:cTn id="1" dur="indefinite" restart="never" nodeType="tmRoot"/>
+      </p:par>
+    </p:tnLst>
+  </p:timing>
 </p:sld>
 </file>
 
@@ -6312,6 +5619,13 @@
   <p:clrMapOvr>
     <a:masterClrMapping/>
   </p:clrMapOvr>
+  <p:timing>
+    <p:tnLst>
+      <p:par>
+        <p:cTn id="1" dur="indefinite" restart="never" nodeType="tmRoot"/>
+      </p:par>
+    </p:tnLst>
+  </p:timing>
 </p:sld>
 </file>
 
